--- a/Nhóm 5 - MusicWeb/doc/MusicWeb.pptx
+++ b/Nhóm 5 - MusicWeb/doc/MusicWeb.pptx
@@ -8086,7 +8086,7 @@
           <p:nvPr>
             <p:extLst>
               <p:ext uri="{D42A27DB-BD31-4B8C-83A1-F6EECF244321}">
-                <p14:modId xmlns:p14="http://schemas.microsoft.com/office/powerpoint/2010/main" val="730485917"/>
+                <p14:modId xmlns:p14="http://schemas.microsoft.com/office/powerpoint/2010/main" val="3813886465"/>
               </p:ext>
             </p:extLst>
           </p:nvPr>
@@ -8152,36 +8152,36 @@
                     </a:p>
                   </a:txBody>
                   <a:tcPr marL="21940" marR="21940" marT="14626" marB="14626" anchor="b">
-                    <a:lnL w="9525" cap="flat" cmpd="sng" algn="ctr">
+                    <a:lnL w="12700" cap="flat" cmpd="sng" algn="ctr">
                       <a:solidFill>
-                        <a:srgbClr val="000000"/>
+                        <a:schemeClr val="tx1"/>
                       </a:solidFill>
                       <a:prstDash val="solid"/>
                       <a:round/>
                       <a:headEnd type="none" w="med" len="med"/>
                       <a:tailEnd type="none" w="med" len="med"/>
                     </a:lnL>
-                    <a:lnR w="9525" cap="flat" cmpd="sng" algn="ctr">
+                    <a:lnR w="12700" cap="flat" cmpd="sng" algn="ctr">
                       <a:solidFill>
-                        <a:srgbClr val="000000"/>
+                        <a:schemeClr val="tx1"/>
                       </a:solidFill>
                       <a:prstDash val="solid"/>
                       <a:round/>
                       <a:headEnd type="none" w="med" len="med"/>
                       <a:tailEnd type="none" w="med" len="med"/>
                     </a:lnR>
-                    <a:lnT w="9525" cap="flat" cmpd="sng" algn="ctr">
+                    <a:lnT w="12700" cap="flat" cmpd="sng" algn="ctr">
                       <a:solidFill>
-                        <a:srgbClr val="000000"/>
+                        <a:schemeClr val="tx1"/>
                       </a:solidFill>
                       <a:prstDash val="solid"/>
                       <a:round/>
                       <a:headEnd type="none" w="med" len="med"/>
                       <a:tailEnd type="none" w="med" len="med"/>
                     </a:lnT>
-                    <a:lnB w="9525" cap="flat" cmpd="sng" algn="ctr">
+                    <a:lnB w="12700" cap="flat" cmpd="sng" algn="ctr">
                       <a:solidFill>
-                        <a:srgbClr val="CCCCCC"/>
+                        <a:schemeClr val="tx1"/>
                       </a:solidFill>
                       <a:prstDash val="solid"/>
                       <a:round/>
@@ -8252,36 +8252,36 @@
                     </a:p>
                   </a:txBody>
                   <a:tcPr marL="21940" marR="21940" marT="14626" marB="14626" anchor="b">
-                    <a:lnL w="9525" cap="flat" cmpd="sng" algn="ctr">
+                    <a:lnL w="12700" cap="flat" cmpd="sng" algn="ctr">
                       <a:solidFill>
-                        <a:srgbClr val="000000"/>
+                        <a:schemeClr val="tx1"/>
                       </a:solidFill>
                       <a:prstDash val="solid"/>
                       <a:round/>
                       <a:headEnd type="none" w="med" len="med"/>
                       <a:tailEnd type="none" w="med" len="med"/>
                     </a:lnL>
-                    <a:lnR w="9525" cap="flat" cmpd="sng" algn="ctr">
+                    <a:lnR w="12700" cap="flat" cmpd="sng" algn="ctr">
                       <a:solidFill>
-                        <a:srgbClr val="CCCCCC"/>
+                        <a:schemeClr val="tx1"/>
                       </a:solidFill>
                       <a:prstDash val="solid"/>
                       <a:round/>
                       <a:headEnd type="none" w="med" len="med"/>
                       <a:tailEnd type="none" w="med" len="med"/>
                     </a:lnR>
-                    <a:lnT w="9525" cap="flat" cmpd="sng" algn="ctr">
+                    <a:lnT w="12700" cap="flat" cmpd="sng" algn="ctr">
                       <a:solidFill>
-                        <a:srgbClr val="CCCCCC"/>
+                        <a:schemeClr val="tx1"/>
                       </a:solidFill>
                       <a:prstDash val="solid"/>
                       <a:round/>
                       <a:headEnd type="none" w="med" len="med"/>
                       <a:tailEnd type="none" w="med" len="med"/>
                     </a:lnT>
-                    <a:lnB w="9525" cap="flat" cmpd="sng" algn="ctr">
+                    <a:lnB w="12700" cap="flat" cmpd="sng" algn="ctr">
                       <a:solidFill>
-                        <a:srgbClr val="CCCCCC"/>
+                        <a:schemeClr val="tx1"/>
                       </a:solidFill>
                       <a:prstDash val="solid"/>
                       <a:round/>
@@ -8305,36 +8305,36 @@
                     </a:p>
                   </a:txBody>
                   <a:tcPr marL="21940" marR="21940" marT="14626" marB="14626" anchor="b">
-                    <a:lnL w="9525" cap="flat" cmpd="sng" algn="ctr">
+                    <a:lnL w="12700" cap="flat" cmpd="sng" algn="ctr">
                       <a:solidFill>
-                        <a:srgbClr val="CCCCCC"/>
+                        <a:schemeClr val="tx1"/>
                       </a:solidFill>
                       <a:prstDash val="solid"/>
                       <a:round/>
                       <a:headEnd type="none" w="med" len="med"/>
                       <a:tailEnd type="none" w="med" len="med"/>
                     </a:lnL>
-                    <a:lnR w="9525" cap="flat" cmpd="sng" algn="ctr">
+                    <a:lnR w="12700" cap="flat" cmpd="sng" algn="ctr">
                       <a:solidFill>
-                        <a:srgbClr val="CCCCCC"/>
+                        <a:schemeClr val="tx1"/>
                       </a:solidFill>
                       <a:prstDash val="solid"/>
                       <a:round/>
                       <a:headEnd type="none" w="med" len="med"/>
                       <a:tailEnd type="none" w="med" len="med"/>
                     </a:lnR>
-                    <a:lnT w="9525" cap="flat" cmpd="sng" algn="ctr">
+                    <a:lnT w="12700" cap="flat" cmpd="sng" algn="ctr">
                       <a:solidFill>
-                        <a:srgbClr val="CCCCCC"/>
+                        <a:schemeClr val="tx1"/>
                       </a:solidFill>
                       <a:prstDash val="solid"/>
                       <a:round/>
                       <a:headEnd type="none" w="med" len="med"/>
                       <a:tailEnd type="none" w="med" len="med"/>
                     </a:lnT>
-                    <a:lnB w="9525" cap="flat" cmpd="sng" algn="ctr">
+                    <a:lnB w="12700" cap="flat" cmpd="sng" algn="ctr">
                       <a:solidFill>
-                        <a:srgbClr val="CCCCCC"/>
+                        <a:schemeClr val="tx1"/>
                       </a:solidFill>
                       <a:prstDash val="solid"/>
                       <a:round/>
@@ -8358,36 +8358,36 @@
                     </a:p>
                   </a:txBody>
                   <a:tcPr marL="21940" marR="21940" marT="14626" marB="14626" anchor="b">
-                    <a:lnL w="9525" cap="flat" cmpd="sng" algn="ctr">
+                    <a:lnL w="12700" cap="flat" cmpd="sng" algn="ctr">
                       <a:solidFill>
-                        <a:srgbClr val="CCCCCC"/>
+                        <a:schemeClr val="tx1"/>
                       </a:solidFill>
                       <a:prstDash val="solid"/>
                       <a:round/>
                       <a:headEnd type="none" w="med" len="med"/>
                       <a:tailEnd type="none" w="med" len="med"/>
                     </a:lnL>
-                    <a:lnR w="9525" cap="flat" cmpd="sng" algn="ctr">
+                    <a:lnR w="12700" cap="flat" cmpd="sng" algn="ctr">
                       <a:solidFill>
-                        <a:srgbClr val="CCCCCC"/>
+                        <a:schemeClr val="tx1"/>
                       </a:solidFill>
                       <a:prstDash val="solid"/>
                       <a:round/>
                       <a:headEnd type="none" w="med" len="med"/>
                       <a:tailEnd type="none" w="med" len="med"/>
                     </a:lnR>
-                    <a:lnT w="9525" cap="flat" cmpd="sng" algn="ctr">
+                    <a:lnT w="12700" cap="flat" cmpd="sng" algn="ctr">
                       <a:solidFill>
-                        <a:srgbClr val="CCCCCC"/>
+                        <a:schemeClr val="tx1"/>
                       </a:solidFill>
                       <a:prstDash val="solid"/>
                       <a:round/>
                       <a:headEnd type="none" w="med" len="med"/>
                       <a:tailEnd type="none" w="med" len="med"/>
                     </a:lnT>
-                    <a:lnB w="9525" cap="flat" cmpd="sng" algn="ctr">
+                    <a:lnB w="12700" cap="flat" cmpd="sng" algn="ctr">
                       <a:solidFill>
-                        <a:srgbClr val="CCCCCC"/>
+                        <a:schemeClr val="tx1"/>
                       </a:solidFill>
                       <a:prstDash val="solid"/>
                       <a:round/>
@@ -8411,36 +8411,36 @@
                     </a:p>
                   </a:txBody>
                   <a:tcPr marL="21940" marR="21940" marT="14626" marB="14626" anchor="b">
-                    <a:lnL w="9525" cap="flat" cmpd="sng" algn="ctr">
+                    <a:lnL w="12700" cap="flat" cmpd="sng" algn="ctr">
                       <a:solidFill>
-                        <a:srgbClr val="CCCCCC"/>
+                        <a:schemeClr val="tx1"/>
                       </a:solidFill>
                       <a:prstDash val="solid"/>
                       <a:round/>
                       <a:headEnd type="none" w="med" len="med"/>
                       <a:tailEnd type="none" w="med" len="med"/>
                     </a:lnL>
-                    <a:lnR w="9525" cap="flat" cmpd="sng" algn="ctr">
+                    <a:lnR w="12700" cap="flat" cmpd="sng" algn="ctr">
                       <a:solidFill>
-                        <a:srgbClr val="CCCCCC"/>
+                        <a:schemeClr val="tx1"/>
                       </a:solidFill>
                       <a:prstDash val="solid"/>
                       <a:round/>
                       <a:headEnd type="none" w="med" len="med"/>
                       <a:tailEnd type="none" w="med" len="med"/>
                     </a:lnR>
-                    <a:lnT w="9525" cap="flat" cmpd="sng" algn="ctr">
+                    <a:lnT w="12700" cap="flat" cmpd="sng" algn="ctr">
                       <a:solidFill>
-                        <a:srgbClr val="CCCCCC"/>
+                        <a:schemeClr val="tx1"/>
                       </a:solidFill>
                       <a:prstDash val="solid"/>
                       <a:round/>
                       <a:headEnd type="none" w="med" len="med"/>
                       <a:tailEnd type="none" w="med" len="med"/>
                     </a:lnT>
-                    <a:lnB w="9525" cap="flat" cmpd="sng" algn="ctr">
+                    <a:lnB w="12700" cap="flat" cmpd="sng" algn="ctr">
                       <a:solidFill>
-                        <a:srgbClr val="CCCCCC"/>
+                        <a:schemeClr val="tx1"/>
                       </a:solidFill>
                       <a:prstDash val="solid"/>
                       <a:round/>
@@ -8464,36 +8464,36 @@
                     </a:p>
                   </a:txBody>
                   <a:tcPr marL="21940" marR="21940" marT="14626" marB="14626" anchor="b">
-                    <a:lnL w="9525" cap="flat" cmpd="sng" algn="ctr">
+                    <a:lnL w="12700" cap="flat" cmpd="sng" algn="ctr">
                       <a:solidFill>
-                        <a:srgbClr val="CCCCCC"/>
+                        <a:schemeClr val="tx1"/>
                       </a:solidFill>
                       <a:prstDash val="solid"/>
                       <a:round/>
                       <a:headEnd type="none" w="med" len="med"/>
                       <a:tailEnd type="none" w="med" len="med"/>
                     </a:lnL>
-                    <a:lnR w="9525" cap="flat" cmpd="sng" algn="ctr">
+                    <a:lnR w="12700" cap="flat" cmpd="sng" algn="ctr">
                       <a:solidFill>
-                        <a:srgbClr val="000000"/>
+                        <a:schemeClr val="tx1"/>
                       </a:solidFill>
                       <a:prstDash val="solid"/>
                       <a:round/>
                       <a:headEnd type="none" w="med" len="med"/>
                       <a:tailEnd type="none" w="med" len="med"/>
                     </a:lnR>
-                    <a:lnT w="9525" cap="flat" cmpd="sng" algn="ctr">
+                    <a:lnT w="12700" cap="flat" cmpd="sng" algn="ctr">
                       <a:solidFill>
-                        <a:srgbClr val="CCCCCC"/>
+                        <a:schemeClr val="tx1"/>
                       </a:solidFill>
                       <a:prstDash val="solid"/>
                       <a:round/>
                       <a:headEnd type="none" w="med" len="med"/>
                       <a:tailEnd type="none" w="med" len="med"/>
                     </a:lnT>
-                    <a:lnB w="9525" cap="flat" cmpd="sng" algn="ctr">
+                    <a:lnB w="12700" cap="flat" cmpd="sng" algn="ctr">
                       <a:solidFill>
-                        <a:srgbClr val="CCCCCC"/>
+                        <a:schemeClr val="tx1"/>
                       </a:solidFill>
                       <a:prstDash val="solid"/>
                       <a:round/>
@@ -8518,53 +8518,115 @@
                       <a:r>
                         <a:rPr lang="vi-VN" sz="1400" dirty="0">
                           <a:effectLst/>
+                          <a:latin typeface="+mn-lt"/>
                         </a:rPr>
-                        <a:t>Acount, Promotion, Security,Login Fb Google,Reset Password,Verify Email, Upgrade VIP</a:t>
+                        <a:t>Acount, Promotion, Security,</a:t>
                       </a:r>
-                      <a:br>
-                        <a:rPr lang="vi-VN" sz="1400" dirty="0">
+                      <a:r>
+                        <a:rPr lang="en-US" sz="1400" dirty="0">
                           <a:effectLst/>
+                          <a:latin typeface="+mn-lt"/>
                         </a:rPr>
-                      </a:br>
+                        <a:t> </a:t>
+                      </a:r>
+                      <a:r>
+                        <a:rPr lang="en-US" sz="1400" dirty="0">
+                          <a:effectLst/>
+                          <a:latin typeface="+mn-lt"/>
+                          <a:cs typeface="Arial" panose="020B0604020202020204" pitchFamily="34" charset="0"/>
+                        </a:rPr>
+                        <a:t>Register/Login,</a:t>
+                      </a:r>
+                      <a:r>
+                        <a:rPr lang="en-US" sz="1400" dirty="0">
+                          <a:effectLst/>
+                          <a:latin typeface="+mn-lt"/>
+                        </a:rPr>
+                        <a:t> </a:t>
+                      </a:r>
                       <a:r>
                         <a:rPr lang="vi-VN" sz="1400" dirty="0">
                           <a:effectLst/>
+                          <a:latin typeface="+mn-lt"/>
+                        </a:rPr>
+                        <a:t>Login Fb Google,Reset Password,Verify Email</a:t>
+                      </a:r>
+                      <a:r>
+                        <a:rPr lang="en-US" sz="1400" dirty="0">
+                          <a:effectLst/>
+                          <a:latin typeface="+mn-lt"/>
+                        </a:rPr>
+                        <a:t>(</a:t>
+                      </a:r>
+                      <a:r>
+                        <a:rPr lang="en-US" sz="1400" dirty="0">
+                          <a:effectLst/>
+                          <a:latin typeface="Arial" panose="020B0604020202020204" pitchFamily="34" charset="0"/>
+                          <a:cs typeface="Arial" panose="020B0604020202020204" pitchFamily="34" charset="0"/>
+                        </a:rPr>
+                        <a:t>reset-Password/register</a:t>
+                      </a:r>
+                      <a:r>
+                        <a:rPr lang="en-US" sz="1400" dirty="0">
+                          <a:effectLst/>
+                          <a:latin typeface="+mn-lt"/>
+                        </a:rPr>
+                        <a:t>)</a:t>
+                      </a:r>
+                      <a:r>
+                        <a:rPr lang="vi-VN" sz="1400" dirty="0">
+                          <a:effectLst/>
+                          <a:latin typeface="+mn-lt"/>
+                        </a:rPr>
+                        <a:t>, Upgrade VIP</a:t>
+                      </a:r>
+                      <a:r>
+                        <a:rPr lang="en-US" sz="1400" dirty="0">
+                          <a:effectLst/>
+                          <a:latin typeface="+mn-lt"/>
+                        </a:rPr>
+                        <a:t> </a:t>
+                      </a:r>
+                      <a:r>
+                        <a:rPr lang="vi-VN" sz="1400" dirty="0">
+                          <a:effectLst/>
+                          <a:latin typeface="+mn-lt"/>
                         </a:rPr>
                         <a:t>Login/Register/ResetPassword(Andorid)</a:t>
                       </a:r>
                     </a:p>
                   </a:txBody>
                   <a:tcPr marL="21940" marR="21940" marT="14626" marB="14626" anchor="b">
-                    <a:lnL w="9525" cap="flat" cmpd="sng" algn="ctr">
+                    <a:lnL w="12700" cap="flat" cmpd="sng" algn="ctr">
                       <a:solidFill>
-                        <a:srgbClr val="000000"/>
+                        <a:schemeClr val="tx1"/>
                       </a:solidFill>
                       <a:prstDash val="solid"/>
                       <a:round/>
                       <a:headEnd type="none" w="med" len="med"/>
                       <a:tailEnd type="none" w="med" len="med"/>
                     </a:lnL>
-                    <a:lnR w="9525" cap="flat" cmpd="sng" algn="ctr">
+                    <a:lnR w="12700" cap="flat" cmpd="sng" algn="ctr">
                       <a:solidFill>
-                        <a:srgbClr val="CCCCCC"/>
+                        <a:schemeClr val="tx1"/>
                       </a:solidFill>
                       <a:prstDash val="solid"/>
                       <a:round/>
                       <a:headEnd type="none" w="med" len="med"/>
                       <a:tailEnd type="none" w="med" len="med"/>
                     </a:lnR>
-                    <a:lnT w="9525" cap="flat" cmpd="sng" algn="ctr">
+                    <a:lnT w="12700" cap="flat" cmpd="sng" algn="ctr">
                       <a:solidFill>
-                        <a:srgbClr val="CCCCCC"/>
+                        <a:schemeClr val="tx1"/>
                       </a:solidFill>
                       <a:prstDash val="solid"/>
                       <a:round/>
                       <a:headEnd type="none" w="med" len="med"/>
                       <a:tailEnd type="none" w="med" len="med"/>
                     </a:lnT>
-                    <a:lnB w="9525" cap="flat" cmpd="sng" algn="ctr">
+                    <a:lnB w="12700" cap="flat" cmpd="sng" algn="ctr">
                       <a:solidFill>
-                        <a:srgbClr val="CCCCCC"/>
+                        <a:schemeClr val="tx1"/>
                       </a:solidFill>
                       <a:prstDash val="solid"/>
                       <a:round/>
@@ -8588,36 +8650,36 @@
                     </a:p>
                   </a:txBody>
                   <a:tcPr marL="21940" marR="21940" marT="14626" marB="14626" anchor="b">
-                    <a:lnL w="9525" cap="flat" cmpd="sng" algn="ctr">
+                    <a:lnL w="12700" cap="flat" cmpd="sng" algn="ctr">
                       <a:solidFill>
-                        <a:srgbClr val="CCCCCC"/>
+                        <a:schemeClr val="tx1"/>
                       </a:solidFill>
                       <a:prstDash val="solid"/>
                       <a:round/>
                       <a:headEnd type="none" w="med" len="med"/>
                       <a:tailEnd type="none" w="med" len="med"/>
                     </a:lnL>
-                    <a:lnR w="9525" cap="flat" cmpd="sng" algn="ctr">
+                    <a:lnR w="12700" cap="flat" cmpd="sng" algn="ctr">
                       <a:solidFill>
-                        <a:srgbClr val="CCCCCC"/>
+                        <a:schemeClr val="tx1"/>
                       </a:solidFill>
                       <a:prstDash val="solid"/>
                       <a:round/>
                       <a:headEnd type="none" w="med" len="med"/>
                       <a:tailEnd type="none" w="med" len="med"/>
                     </a:lnR>
-                    <a:lnT w="9525" cap="flat" cmpd="sng" algn="ctr">
+                    <a:lnT w="12700" cap="flat" cmpd="sng" algn="ctr">
                       <a:solidFill>
-                        <a:srgbClr val="CCCCCC"/>
+                        <a:schemeClr val="tx1"/>
                       </a:solidFill>
                       <a:prstDash val="solid"/>
                       <a:round/>
                       <a:headEnd type="none" w="med" len="med"/>
                       <a:tailEnd type="none" w="med" len="med"/>
                     </a:lnT>
-                    <a:lnB w="9525" cap="flat" cmpd="sng" algn="ctr">
+                    <a:lnB w="12700" cap="flat" cmpd="sng" algn="ctr">
                       <a:solidFill>
-                        <a:srgbClr val="CCCCCC"/>
+                        <a:schemeClr val="tx1"/>
                       </a:solidFill>
                       <a:prstDash val="solid"/>
                       <a:round/>
@@ -8641,36 +8703,36 @@
                     </a:p>
                   </a:txBody>
                   <a:tcPr marL="21940" marR="21940" marT="14626" marB="14626" anchor="b">
-                    <a:lnL w="9525" cap="flat" cmpd="sng" algn="ctr">
+                    <a:lnL w="12700" cap="flat" cmpd="sng" algn="ctr">
                       <a:solidFill>
-                        <a:srgbClr val="CCCCCC"/>
+                        <a:schemeClr val="tx1"/>
                       </a:solidFill>
                       <a:prstDash val="solid"/>
                       <a:round/>
                       <a:headEnd type="none" w="med" len="med"/>
                       <a:tailEnd type="none" w="med" len="med"/>
                     </a:lnL>
-                    <a:lnR w="9525" cap="flat" cmpd="sng" algn="ctr">
+                    <a:lnR w="12700" cap="flat" cmpd="sng" algn="ctr">
                       <a:solidFill>
-                        <a:srgbClr val="CCCCCC"/>
+                        <a:schemeClr val="tx1"/>
                       </a:solidFill>
                       <a:prstDash val="solid"/>
                       <a:round/>
                       <a:headEnd type="none" w="med" len="med"/>
                       <a:tailEnd type="none" w="med" len="med"/>
                     </a:lnR>
-                    <a:lnT w="9525" cap="flat" cmpd="sng" algn="ctr">
+                    <a:lnT w="12700" cap="flat" cmpd="sng" algn="ctr">
                       <a:solidFill>
-                        <a:srgbClr val="CCCCCC"/>
+                        <a:schemeClr val="tx1"/>
                       </a:solidFill>
                       <a:prstDash val="solid"/>
                       <a:round/>
                       <a:headEnd type="none" w="med" len="med"/>
                       <a:tailEnd type="none" w="med" len="med"/>
                     </a:lnT>
-                    <a:lnB w="9525" cap="flat" cmpd="sng" algn="ctr">
+                    <a:lnB w="12700" cap="flat" cmpd="sng" algn="ctr">
                       <a:solidFill>
-                        <a:srgbClr val="CCCCCC"/>
+                        <a:schemeClr val="tx1"/>
                       </a:solidFill>
                       <a:prstDash val="solid"/>
                       <a:round/>
@@ -8694,36 +8756,36 @@
                     </a:p>
                   </a:txBody>
                   <a:tcPr marL="21940" marR="21940" marT="14626" marB="14626" anchor="b">
-                    <a:lnL w="9525" cap="flat" cmpd="sng" algn="ctr">
+                    <a:lnL w="12700" cap="flat" cmpd="sng" algn="ctr">
                       <a:solidFill>
-                        <a:srgbClr val="CCCCCC"/>
+                        <a:schemeClr val="tx1"/>
                       </a:solidFill>
                       <a:prstDash val="solid"/>
                       <a:round/>
                       <a:headEnd type="none" w="med" len="med"/>
                       <a:tailEnd type="none" w="med" len="med"/>
                     </a:lnL>
-                    <a:lnR w="9525" cap="flat" cmpd="sng" algn="ctr">
+                    <a:lnR w="12700" cap="flat" cmpd="sng" algn="ctr">
                       <a:solidFill>
-                        <a:srgbClr val="CCCCCC"/>
+                        <a:schemeClr val="tx1"/>
                       </a:solidFill>
                       <a:prstDash val="solid"/>
                       <a:round/>
                       <a:headEnd type="none" w="med" len="med"/>
                       <a:tailEnd type="none" w="med" len="med"/>
                     </a:lnR>
-                    <a:lnT w="9525" cap="flat" cmpd="sng" algn="ctr">
+                    <a:lnT w="12700" cap="flat" cmpd="sng" algn="ctr">
                       <a:solidFill>
-                        <a:srgbClr val="CCCCCC"/>
+                        <a:schemeClr val="tx1"/>
                       </a:solidFill>
                       <a:prstDash val="solid"/>
                       <a:round/>
                       <a:headEnd type="none" w="med" len="med"/>
                       <a:tailEnd type="none" w="med" len="med"/>
                     </a:lnT>
-                    <a:lnB w="9525" cap="flat" cmpd="sng" algn="ctr">
+                    <a:lnB w="12700" cap="flat" cmpd="sng" algn="ctr">
                       <a:solidFill>
-                        <a:srgbClr val="CCCCCC"/>
+                        <a:schemeClr val="tx1"/>
                       </a:solidFill>
                       <a:prstDash val="solid"/>
                       <a:round/>
@@ -8747,36 +8809,36 @@
                     </a:p>
                   </a:txBody>
                   <a:tcPr marL="21940" marR="21940" marT="14626" marB="14626" anchor="b">
-                    <a:lnL w="9525" cap="flat" cmpd="sng" algn="ctr">
+                    <a:lnL w="12700" cap="flat" cmpd="sng" algn="ctr">
                       <a:solidFill>
-                        <a:srgbClr val="CCCCCC"/>
+                        <a:schemeClr val="tx1"/>
                       </a:solidFill>
                       <a:prstDash val="solid"/>
                       <a:round/>
                       <a:headEnd type="none" w="med" len="med"/>
                       <a:tailEnd type="none" w="med" len="med"/>
                     </a:lnL>
-                    <a:lnR w="9525" cap="flat" cmpd="sng" algn="ctr">
+                    <a:lnR w="12700" cap="flat" cmpd="sng" algn="ctr">
                       <a:solidFill>
-                        <a:srgbClr val="000000"/>
+                        <a:schemeClr val="tx1"/>
                       </a:solidFill>
                       <a:prstDash val="solid"/>
                       <a:round/>
                       <a:headEnd type="none" w="med" len="med"/>
                       <a:tailEnd type="none" w="med" len="med"/>
                     </a:lnR>
-                    <a:lnT w="9525" cap="flat" cmpd="sng" algn="ctr">
+                    <a:lnT w="12700" cap="flat" cmpd="sng" algn="ctr">
                       <a:solidFill>
-                        <a:srgbClr val="CCCCCC"/>
+                        <a:schemeClr val="tx1"/>
                       </a:solidFill>
                       <a:prstDash val="solid"/>
                       <a:round/>
                       <a:headEnd type="none" w="med" len="med"/>
                       <a:tailEnd type="none" w="med" len="med"/>
                     </a:lnT>
-                    <a:lnB w="9525" cap="flat" cmpd="sng" algn="ctr">
+                    <a:lnB w="12700" cap="flat" cmpd="sng" algn="ctr">
                       <a:solidFill>
-                        <a:srgbClr val="CCCCCC"/>
+                        <a:schemeClr val="tx1"/>
                       </a:solidFill>
                       <a:prstDash val="solid"/>
                       <a:round/>
@@ -8801,53 +8863,100 @@
                       <a:r>
                         <a:rPr lang="vi-VN" sz="1400" dirty="0">
                           <a:effectLst/>
+                          <a:latin typeface="+mn-lt"/>
                         </a:rPr>
-                        <a:t>Song,Genre,Album,Artist,Play-Comment-Dowload-Buy(cart Song-order Song) Song, </a:t>
+                        <a:t>Song</a:t>
                       </a:r>
-                      <a:br>
-                        <a:rPr lang="vi-VN" sz="1400" dirty="0">
+                      <a:r>
+                        <a:rPr lang="en-US" sz="1400" dirty="0">
                           <a:effectLst/>
+                          <a:latin typeface="+mn-lt"/>
                         </a:rPr>
-                      </a:br>
+                        <a:t>(</a:t>
+                      </a:r>
+                      <a:r>
+                        <a:rPr lang="en-US" sz="1400" dirty="0">
+                          <a:effectLst/>
+                          <a:latin typeface="Arial" panose="020B0604020202020204" pitchFamily="34" charset="0"/>
+                          <a:cs typeface="Arial" panose="020B0604020202020204" pitchFamily="34" charset="0"/>
+                        </a:rPr>
+                        <a:t>audio-video-lyric-sub</a:t>
+                      </a:r>
+                      <a:r>
+                        <a:rPr lang="en-US" sz="1400" dirty="0">
+                          <a:effectLst/>
+                          <a:latin typeface="+mn-lt"/>
+                        </a:rPr>
+                        <a:t>)</a:t>
+                      </a:r>
                       <a:r>
                         <a:rPr lang="vi-VN" sz="1400" dirty="0">
                           <a:effectLst/>
+                          <a:latin typeface="+mn-lt"/>
                         </a:rPr>
-                        <a:t>Song/Genre/Artist/Album/SearchSong(Android)</a:t>
+                        <a:t>,Genre,Album,</a:t>
+                      </a:r>
+                      <a:r>
+                        <a:rPr lang="en-US" sz="1400" dirty="0">
+                          <a:effectLst/>
+                          <a:latin typeface="+mn-lt"/>
+                        </a:rPr>
+                        <a:t> </a:t>
+                      </a:r>
+                      <a:r>
+                        <a:rPr lang="vi-VN" sz="1400" dirty="0">
+                          <a:effectLst/>
+                          <a:latin typeface="+mn-lt"/>
+                        </a:rPr>
+                        <a:t>Artist,</a:t>
+                      </a:r>
+                      <a:r>
+                        <a:rPr lang="en-US" sz="1400" dirty="0">
+                          <a:effectLst/>
+                          <a:latin typeface="+mn-lt"/>
+                        </a:rPr>
+                        <a:t> </a:t>
+                      </a:r>
+                      <a:r>
+                        <a:rPr lang="vi-VN" sz="1400" dirty="0">
+                          <a:effectLst/>
+                          <a:latin typeface="+mn-lt"/>
+                        </a:rPr>
+                        <a:t>Play-Comment-Dowload-Buy(cart Song-order Song) Song, Song/Genre/Artist/Album/SearchSong(Android)</a:t>
                       </a:r>
                     </a:p>
                   </a:txBody>
                   <a:tcPr marL="21940" marR="21940" marT="14626" marB="14626" anchor="b">
-                    <a:lnL w="9525" cap="flat" cmpd="sng" algn="ctr">
+                    <a:lnL w="12700" cap="flat" cmpd="sng" algn="ctr">
                       <a:solidFill>
-                        <a:srgbClr val="000000"/>
+                        <a:schemeClr val="tx1"/>
                       </a:solidFill>
                       <a:prstDash val="solid"/>
                       <a:round/>
                       <a:headEnd type="none" w="med" len="med"/>
                       <a:tailEnd type="none" w="med" len="med"/>
                     </a:lnL>
-                    <a:lnR w="9525" cap="flat" cmpd="sng" algn="ctr">
+                    <a:lnR w="12700" cap="flat" cmpd="sng" algn="ctr">
                       <a:solidFill>
-                        <a:srgbClr val="CCCCCC"/>
+                        <a:schemeClr val="tx1"/>
                       </a:solidFill>
                       <a:prstDash val="solid"/>
                       <a:round/>
                       <a:headEnd type="none" w="med" len="med"/>
                       <a:tailEnd type="none" w="med" len="med"/>
                     </a:lnR>
-                    <a:lnT w="9525" cap="flat" cmpd="sng" algn="ctr">
+                    <a:lnT w="12700" cap="flat" cmpd="sng" algn="ctr">
                       <a:solidFill>
-                        <a:srgbClr val="CCCCCC"/>
+                        <a:schemeClr val="tx1"/>
                       </a:solidFill>
                       <a:prstDash val="solid"/>
                       <a:round/>
                       <a:headEnd type="none" w="med" len="med"/>
                       <a:tailEnd type="none" w="med" len="med"/>
                     </a:lnT>
-                    <a:lnB w="9525" cap="flat" cmpd="sng" algn="ctr">
+                    <a:lnB w="12700" cap="flat" cmpd="sng" algn="ctr">
                       <a:solidFill>
-                        <a:srgbClr val="CCCCCC"/>
+                        <a:schemeClr val="tx1"/>
                       </a:solidFill>
                       <a:prstDash val="solid"/>
                       <a:round/>
@@ -8871,36 +8980,36 @@
                     </a:p>
                   </a:txBody>
                   <a:tcPr marL="21940" marR="21940" marT="14626" marB="14626" anchor="b">
-                    <a:lnL w="9525" cap="flat" cmpd="sng" algn="ctr">
+                    <a:lnL w="12700" cap="flat" cmpd="sng" algn="ctr">
                       <a:solidFill>
-                        <a:srgbClr val="CCCCCC"/>
+                        <a:schemeClr val="tx1"/>
                       </a:solidFill>
                       <a:prstDash val="solid"/>
                       <a:round/>
                       <a:headEnd type="none" w="med" len="med"/>
                       <a:tailEnd type="none" w="med" len="med"/>
                     </a:lnL>
-                    <a:lnR w="9525" cap="flat" cmpd="sng" algn="ctr">
+                    <a:lnR w="12700" cap="flat" cmpd="sng" algn="ctr">
                       <a:solidFill>
-                        <a:srgbClr val="CCCCCC"/>
+                        <a:schemeClr val="tx1"/>
                       </a:solidFill>
                       <a:prstDash val="solid"/>
                       <a:round/>
                       <a:headEnd type="none" w="med" len="med"/>
                       <a:tailEnd type="none" w="med" len="med"/>
                     </a:lnR>
-                    <a:lnT w="9525" cap="flat" cmpd="sng" algn="ctr">
+                    <a:lnT w="12700" cap="flat" cmpd="sng" algn="ctr">
                       <a:solidFill>
-                        <a:srgbClr val="CCCCCC"/>
+                        <a:schemeClr val="tx1"/>
                       </a:solidFill>
                       <a:prstDash val="solid"/>
                       <a:round/>
                       <a:headEnd type="none" w="med" len="med"/>
                       <a:tailEnd type="none" w="med" len="med"/>
                     </a:lnT>
-                    <a:lnB w="9525" cap="flat" cmpd="sng" algn="ctr">
+                    <a:lnB w="12700" cap="flat" cmpd="sng" algn="ctr">
                       <a:solidFill>
-                        <a:srgbClr val="CCCCCC"/>
+                        <a:schemeClr val="tx1"/>
                       </a:solidFill>
                       <a:prstDash val="solid"/>
                       <a:round/>
@@ -8924,36 +9033,36 @@
                     </a:p>
                   </a:txBody>
                   <a:tcPr marL="21940" marR="21940" marT="14626" marB="14626" anchor="b">
-                    <a:lnL w="9525" cap="flat" cmpd="sng" algn="ctr">
+                    <a:lnL w="12700" cap="flat" cmpd="sng" algn="ctr">
                       <a:solidFill>
-                        <a:srgbClr val="CCCCCC"/>
+                        <a:schemeClr val="tx1"/>
                       </a:solidFill>
                       <a:prstDash val="solid"/>
                       <a:round/>
                       <a:headEnd type="none" w="med" len="med"/>
                       <a:tailEnd type="none" w="med" len="med"/>
                     </a:lnL>
-                    <a:lnR w="9525" cap="flat" cmpd="sng" algn="ctr">
+                    <a:lnR w="12700" cap="flat" cmpd="sng" algn="ctr">
                       <a:solidFill>
-                        <a:srgbClr val="CCCCCC"/>
+                        <a:schemeClr val="tx1"/>
                       </a:solidFill>
                       <a:prstDash val="solid"/>
                       <a:round/>
                       <a:headEnd type="none" w="med" len="med"/>
                       <a:tailEnd type="none" w="med" len="med"/>
                     </a:lnR>
-                    <a:lnT w="9525" cap="flat" cmpd="sng" algn="ctr">
+                    <a:lnT w="12700" cap="flat" cmpd="sng" algn="ctr">
                       <a:solidFill>
-                        <a:srgbClr val="CCCCCC"/>
+                        <a:schemeClr val="tx1"/>
                       </a:solidFill>
                       <a:prstDash val="solid"/>
                       <a:round/>
                       <a:headEnd type="none" w="med" len="med"/>
                       <a:tailEnd type="none" w="med" len="med"/>
                     </a:lnT>
-                    <a:lnB w="9525" cap="flat" cmpd="sng" algn="ctr">
+                    <a:lnB w="12700" cap="flat" cmpd="sng" algn="ctr">
                       <a:solidFill>
-                        <a:srgbClr val="CCCCCC"/>
+                        <a:schemeClr val="tx1"/>
                       </a:solidFill>
                       <a:prstDash val="solid"/>
                       <a:round/>
@@ -8977,36 +9086,36 @@
                     </a:p>
                   </a:txBody>
                   <a:tcPr marL="21940" marR="21940" marT="14626" marB="14626" anchor="b">
-                    <a:lnL w="9525" cap="flat" cmpd="sng" algn="ctr">
+                    <a:lnL w="12700" cap="flat" cmpd="sng" algn="ctr">
                       <a:solidFill>
-                        <a:srgbClr val="CCCCCC"/>
+                        <a:schemeClr val="tx1"/>
                       </a:solidFill>
                       <a:prstDash val="solid"/>
                       <a:round/>
                       <a:headEnd type="none" w="med" len="med"/>
                       <a:tailEnd type="none" w="med" len="med"/>
                     </a:lnL>
-                    <a:lnR w="9525" cap="flat" cmpd="sng" algn="ctr">
+                    <a:lnR w="12700" cap="flat" cmpd="sng" algn="ctr">
                       <a:solidFill>
-                        <a:srgbClr val="CCCCCC"/>
+                        <a:schemeClr val="tx1"/>
                       </a:solidFill>
                       <a:prstDash val="solid"/>
                       <a:round/>
                       <a:headEnd type="none" w="med" len="med"/>
                       <a:tailEnd type="none" w="med" len="med"/>
                     </a:lnR>
-                    <a:lnT w="9525" cap="flat" cmpd="sng" algn="ctr">
+                    <a:lnT w="12700" cap="flat" cmpd="sng" algn="ctr">
                       <a:solidFill>
-                        <a:srgbClr val="CCCCCC"/>
+                        <a:schemeClr val="tx1"/>
                       </a:solidFill>
                       <a:prstDash val="solid"/>
                       <a:round/>
                       <a:headEnd type="none" w="med" len="med"/>
                       <a:tailEnd type="none" w="med" len="med"/>
                     </a:lnT>
-                    <a:lnB w="9525" cap="flat" cmpd="sng" algn="ctr">
+                    <a:lnB w="12700" cap="flat" cmpd="sng" algn="ctr">
                       <a:solidFill>
-                        <a:srgbClr val="CCCCCC"/>
+                        <a:schemeClr val="tx1"/>
                       </a:solidFill>
                       <a:prstDash val="solid"/>
                       <a:round/>
@@ -9030,36 +9139,36 @@
                     </a:p>
                   </a:txBody>
                   <a:tcPr marL="21940" marR="21940" marT="14626" marB="14626" anchor="b">
-                    <a:lnL w="9525" cap="flat" cmpd="sng" algn="ctr">
+                    <a:lnL w="12700" cap="flat" cmpd="sng" algn="ctr">
                       <a:solidFill>
-                        <a:srgbClr val="CCCCCC"/>
+                        <a:schemeClr val="tx1"/>
                       </a:solidFill>
                       <a:prstDash val="solid"/>
                       <a:round/>
                       <a:headEnd type="none" w="med" len="med"/>
                       <a:tailEnd type="none" w="med" len="med"/>
                     </a:lnL>
-                    <a:lnR w="9525" cap="flat" cmpd="sng" algn="ctr">
+                    <a:lnR w="12700" cap="flat" cmpd="sng" algn="ctr">
                       <a:solidFill>
-                        <a:srgbClr val="000000"/>
+                        <a:schemeClr val="tx1"/>
                       </a:solidFill>
                       <a:prstDash val="solid"/>
                       <a:round/>
                       <a:headEnd type="none" w="med" len="med"/>
                       <a:tailEnd type="none" w="med" len="med"/>
                     </a:lnR>
-                    <a:lnT w="9525" cap="flat" cmpd="sng" algn="ctr">
+                    <a:lnT w="12700" cap="flat" cmpd="sng" algn="ctr">
                       <a:solidFill>
-                        <a:srgbClr val="CCCCCC"/>
+                        <a:schemeClr val="tx1"/>
                       </a:solidFill>
                       <a:prstDash val="solid"/>
                       <a:round/>
                       <a:headEnd type="none" w="med" len="med"/>
                       <a:tailEnd type="none" w="med" len="med"/>
                     </a:lnT>
-                    <a:lnB w="9525" cap="flat" cmpd="sng" algn="ctr">
+                    <a:lnB w="12700" cap="flat" cmpd="sng" algn="ctr">
                       <a:solidFill>
-                        <a:srgbClr val="CCCCCC"/>
+                        <a:schemeClr val="tx1"/>
                       </a:solidFill>
                       <a:prstDash val="solid"/>
                       <a:round/>
@@ -9087,41 +9196,61 @@
                           <a:latin typeface="Arial" panose="020B0604020202020204" pitchFamily="34" charset="0"/>
                           <a:cs typeface="Arial" panose="020B0604020202020204" pitchFamily="34" charset="0"/>
                         </a:rPr>
-                        <a:t>Product, Playlist, User's Personal Music (Upload Songs)</a:t>
+                        <a:t>Product, </a:t>
+                      </a:r>
+                      <a:r>
+                        <a:rPr lang="vi-VN" sz="1400" b="0" i="0" kern="1200" dirty="0">
+                          <a:solidFill>
+                            <a:schemeClr val="tx1"/>
+                          </a:solidFill>
+                          <a:effectLst/>
+                          <a:latin typeface="Arial" panose="020B0604020202020204" pitchFamily="34" charset="0"/>
+                          <a:ea typeface="+mn-ea"/>
+                          <a:cs typeface="Arial" panose="020B0604020202020204" pitchFamily="34" charset="0"/>
+                        </a:rPr>
+                        <a:t>Category, Brand,</a:t>
+                      </a:r>
+                      <a:r>
+                        <a:rPr lang="en-US" sz="1400" dirty="0">
+                          <a:effectLst/>
+                          <a:latin typeface="Arial" panose="020B0604020202020204" pitchFamily="34" charset="0"/>
+                          <a:cs typeface="Arial" panose="020B0604020202020204" pitchFamily="34" charset="0"/>
+                        </a:rPr>
+                        <a:t> Playlist, User's Personal Music (Upload Songs)</a:t>
                       </a:r>
                     </a:p>
                   </a:txBody>
                   <a:tcPr marL="21940" marR="21940" marT="14626" marB="14626" anchor="b">
-                    <a:lnL w="9525" cap="flat" cmpd="sng" algn="ctr">
+                    <a:lnL w="12700" cap="flat" cmpd="sng" algn="ctr">
                       <a:solidFill>
-                        <a:srgbClr val="000000"/>
+                        <a:schemeClr val="tx1"/>
                       </a:solidFill>
                       <a:prstDash val="solid"/>
                       <a:round/>
                       <a:headEnd type="none" w="med" len="med"/>
                       <a:tailEnd type="none" w="med" len="med"/>
                     </a:lnL>
-                    <a:lnR w="9525" cap="flat" cmpd="sng" algn="ctr">
+                    <a:lnR w="12700" cap="flat" cmpd="sng" algn="ctr">
                       <a:solidFill>
-                        <a:srgbClr val="CCCCCC"/>
+                        <a:schemeClr val="tx1"/>
                       </a:solidFill>
                       <a:prstDash val="solid"/>
                       <a:round/>
                       <a:headEnd type="none" w="med" len="med"/>
                       <a:tailEnd type="none" w="med" len="med"/>
                     </a:lnR>
-                    <a:lnT w="9525" cap="flat" cmpd="sng" algn="ctr">
+                    <a:lnT w="12700" cap="flat" cmpd="sng" algn="ctr">
                       <a:solidFill>
-                        <a:srgbClr val="CCCCCC"/>
+                        <a:schemeClr val="tx1"/>
                       </a:solidFill>
                       <a:prstDash val="solid"/>
                       <a:round/>
                       <a:headEnd type="none" w="med" len="med"/>
                       <a:tailEnd type="none" w="med" len="med"/>
                     </a:lnT>
-                    <a:lnB w="9525" cap="flat" cmpd="sng" algn="ctr">
+                    <a:lnB w="12700" cap="flat" cmpd="sng" algn="ctr">
                       <a:solidFill>
-                        <a:srgbClr val="CCCCCC"/>
+                        <a:schemeClr val="tx1"/>
                       </a:solidFill>
                       <a:prstDash val="solid"/>
                       <a:round/>
@@ -9137,7 +9266,7 @@
                     <a:p>
                       <a:pPr algn="ctr" rtl="0" fontAlgn="b"/>
                       <a:r>
-                        <a:rPr lang="vi-VN" sz="1400">
+                        <a:rPr lang="vi-VN" sz="1400" dirty="0">
                           <a:effectLst/>
                         </a:rPr>
                         <a:t>Completed</a:t>
@@ -9145,36 +9274,36 @@
                     </a:p>
                   </a:txBody>
                   <a:tcPr marL="21940" marR="21940" marT="14626" marB="14626" anchor="b">
-                    <a:lnL w="9525" cap="flat" cmpd="sng" algn="ctr">
+                    <a:lnL w="12700" cap="flat" cmpd="sng" algn="ctr">
                       <a:solidFill>
-                        <a:srgbClr val="CCCCCC"/>
+                        <a:schemeClr val="tx1"/>
                       </a:solidFill>
                       <a:prstDash val="solid"/>
                       <a:round/>
                       <a:headEnd type="none" w="med" len="med"/>
                       <a:tailEnd type="none" w="med" len="med"/>
                     </a:lnL>
-                    <a:lnR w="9525" cap="flat" cmpd="sng" algn="ctr">
+                    <a:lnR w="12700" cap="flat" cmpd="sng" algn="ctr">
                       <a:solidFill>
-                        <a:srgbClr val="CCCCCC"/>
+                        <a:schemeClr val="tx1"/>
                       </a:solidFill>
                       <a:prstDash val="solid"/>
                       <a:round/>
                       <a:headEnd type="none" w="med" len="med"/>
                       <a:tailEnd type="none" w="med" len="med"/>
                     </a:lnR>
-                    <a:lnT w="9525" cap="flat" cmpd="sng" algn="ctr">
+                    <a:lnT w="12700" cap="flat" cmpd="sng" algn="ctr">
                       <a:solidFill>
-                        <a:srgbClr val="CCCCCC"/>
+                        <a:schemeClr val="tx1"/>
                       </a:solidFill>
                       <a:prstDash val="solid"/>
                       <a:round/>
                       <a:headEnd type="none" w="med" len="med"/>
                       <a:tailEnd type="none" w="med" len="med"/>
                     </a:lnT>
-                    <a:lnB w="9525" cap="flat" cmpd="sng" algn="ctr">
+                    <a:lnB w="12700" cap="flat" cmpd="sng" algn="ctr">
                       <a:solidFill>
-                        <a:srgbClr val="CCCCCC"/>
+                        <a:schemeClr val="tx1"/>
                       </a:solidFill>
                       <a:prstDash val="solid"/>
                       <a:round/>
@@ -9198,36 +9327,36 @@
                     </a:p>
                   </a:txBody>
                   <a:tcPr marL="21940" marR="21940" marT="14626" marB="14626" anchor="b">
-                    <a:lnL w="9525" cap="flat" cmpd="sng" algn="ctr">
+                    <a:lnL w="12700" cap="flat" cmpd="sng" algn="ctr">
                       <a:solidFill>
-                        <a:srgbClr val="CCCCCC"/>
+                        <a:schemeClr val="tx1"/>
                       </a:solidFill>
                       <a:prstDash val="solid"/>
                       <a:round/>
                       <a:headEnd type="none" w="med" len="med"/>
                       <a:tailEnd type="none" w="med" len="med"/>
                     </a:lnL>
-                    <a:lnR w="9525" cap="flat" cmpd="sng" algn="ctr">
+                    <a:lnR w="12700" cap="flat" cmpd="sng" algn="ctr">
                       <a:solidFill>
-                        <a:srgbClr val="CCCCCC"/>
+                        <a:schemeClr val="tx1"/>
                       </a:solidFill>
                       <a:prstDash val="solid"/>
                       <a:round/>
                       <a:headEnd type="none" w="med" len="med"/>
                       <a:tailEnd type="none" w="med" len="med"/>
                     </a:lnR>
-                    <a:lnT w="9525" cap="flat" cmpd="sng" algn="ctr">
+                    <a:lnT w="12700" cap="flat" cmpd="sng" algn="ctr">
                       <a:solidFill>
-                        <a:srgbClr val="CCCCCC"/>
+                        <a:schemeClr val="tx1"/>
                       </a:solidFill>
                       <a:prstDash val="solid"/>
                       <a:round/>
                       <a:headEnd type="none" w="med" len="med"/>
                       <a:tailEnd type="none" w="med" len="med"/>
                     </a:lnT>
-                    <a:lnB w="9525" cap="flat" cmpd="sng" algn="ctr">
+                    <a:lnB w="12700" cap="flat" cmpd="sng" algn="ctr">
                       <a:solidFill>
-                        <a:srgbClr val="CCCCCC"/>
+                        <a:schemeClr val="tx1"/>
                       </a:solidFill>
                       <a:prstDash val="solid"/>
                       <a:round/>
@@ -9243,7 +9372,7 @@
                     <a:p>
                       <a:pPr algn="ctr" rtl="0" fontAlgn="b"/>
                       <a:r>
-                        <a:rPr lang="vi-VN" sz="1400">
+                        <a:rPr lang="vi-VN" sz="1400" dirty="0">
                           <a:effectLst/>
                         </a:rPr>
                         <a:t>7/25/2022</a:t>
@@ -9251,36 +9380,36 @@
                     </a:p>
                   </a:txBody>
                   <a:tcPr marL="21940" marR="21940" marT="14626" marB="14626" anchor="b">
-                    <a:lnL w="9525" cap="flat" cmpd="sng" algn="ctr">
+                    <a:lnL w="12700" cap="flat" cmpd="sng" algn="ctr">
                       <a:solidFill>
-                        <a:srgbClr val="CCCCCC"/>
+                        <a:schemeClr val="tx1"/>
                       </a:solidFill>
                       <a:prstDash val="solid"/>
                       <a:round/>
                       <a:headEnd type="none" w="med" len="med"/>
                       <a:tailEnd type="none" w="med" len="med"/>
                     </a:lnL>
-                    <a:lnR w="9525" cap="flat" cmpd="sng" algn="ctr">
+                    <a:lnR w="12700" cap="flat" cmpd="sng" algn="ctr">
                       <a:solidFill>
-                        <a:srgbClr val="CCCCCC"/>
+                        <a:schemeClr val="tx1"/>
                       </a:solidFill>
                       <a:prstDash val="solid"/>
                       <a:round/>
                       <a:headEnd type="none" w="med" len="med"/>
                       <a:tailEnd type="none" w="med" len="med"/>
                     </a:lnR>
-                    <a:lnT w="9525" cap="flat" cmpd="sng" algn="ctr">
+                    <a:lnT w="12700" cap="flat" cmpd="sng" algn="ctr">
                       <a:solidFill>
-                        <a:srgbClr val="CCCCCC"/>
+                        <a:schemeClr val="tx1"/>
                       </a:solidFill>
                       <a:prstDash val="solid"/>
                       <a:round/>
                       <a:headEnd type="none" w="med" len="med"/>
                       <a:tailEnd type="none" w="med" len="med"/>
                     </a:lnT>
-                    <a:lnB w="9525" cap="flat" cmpd="sng" algn="ctr">
+                    <a:lnB w="12700" cap="flat" cmpd="sng" algn="ctr">
                       <a:solidFill>
-                        <a:srgbClr val="CCCCCC"/>
+                        <a:schemeClr val="tx1"/>
                       </a:solidFill>
                       <a:prstDash val="solid"/>
                       <a:round/>
@@ -9304,36 +9433,36 @@
                     </a:p>
                   </a:txBody>
                   <a:tcPr marL="21940" marR="21940" marT="14626" marB="14626" anchor="b">
-                    <a:lnL w="9525" cap="flat" cmpd="sng" algn="ctr">
+                    <a:lnL w="12700" cap="flat" cmpd="sng" algn="ctr">
                       <a:solidFill>
-                        <a:srgbClr val="CCCCCC"/>
+                        <a:schemeClr val="tx1"/>
                       </a:solidFill>
                       <a:prstDash val="solid"/>
                       <a:round/>
                       <a:headEnd type="none" w="med" len="med"/>
                       <a:tailEnd type="none" w="med" len="med"/>
                     </a:lnL>
-                    <a:lnR w="9525" cap="flat" cmpd="sng" algn="ctr">
+                    <a:lnR w="12700" cap="flat" cmpd="sng" algn="ctr">
                       <a:solidFill>
-                        <a:srgbClr val="000000"/>
+                        <a:schemeClr val="tx1"/>
                       </a:solidFill>
                       <a:prstDash val="solid"/>
                       <a:round/>
                       <a:headEnd type="none" w="med" len="med"/>
                       <a:tailEnd type="none" w="med" len="med"/>
                     </a:lnR>
-                    <a:lnT w="9525" cap="flat" cmpd="sng" algn="ctr">
+                    <a:lnT w="12700" cap="flat" cmpd="sng" algn="ctr">
                       <a:solidFill>
-                        <a:srgbClr val="CCCCCC"/>
+                        <a:schemeClr val="tx1"/>
                       </a:solidFill>
                       <a:prstDash val="solid"/>
                       <a:round/>
                       <a:headEnd type="none" w="med" len="med"/>
                       <a:tailEnd type="none" w="med" len="med"/>
                     </a:lnT>
-                    <a:lnB w="9525" cap="flat" cmpd="sng" algn="ctr">
+                    <a:lnB w="12700" cap="flat" cmpd="sng" algn="ctr">
                       <a:solidFill>
-                        <a:srgbClr val="CCCCCC"/>
+                        <a:schemeClr val="tx1"/>
                       </a:solidFill>
                       <a:prstDash val="solid"/>
                       <a:round/>
@@ -9366,36 +9495,36 @@
                     </a:p>
                   </a:txBody>
                   <a:tcPr marL="21940" marR="21940" marT="14626" marB="14626" anchor="b">
-                    <a:lnL w="9525" cap="flat" cmpd="sng" algn="ctr">
+                    <a:lnL w="12700" cap="flat" cmpd="sng" algn="ctr">
                       <a:solidFill>
-                        <a:srgbClr val="000000"/>
+                        <a:schemeClr val="tx1"/>
                       </a:solidFill>
                       <a:prstDash val="solid"/>
                       <a:round/>
                       <a:headEnd type="none" w="med" len="med"/>
                       <a:tailEnd type="none" w="med" len="med"/>
                     </a:lnL>
-                    <a:lnR w="9525" cap="flat" cmpd="sng" algn="ctr">
+                    <a:lnR w="12700" cap="flat" cmpd="sng" algn="ctr">
                       <a:solidFill>
-                        <a:srgbClr val="CCCCCC"/>
+                        <a:schemeClr val="tx1"/>
                       </a:solidFill>
                       <a:prstDash val="solid"/>
                       <a:round/>
                       <a:headEnd type="none" w="med" len="med"/>
                       <a:tailEnd type="none" w="med" len="med"/>
                     </a:lnR>
-                    <a:lnT w="9525" cap="flat" cmpd="sng" algn="ctr">
+                    <a:lnT w="12700" cap="flat" cmpd="sng" algn="ctr">
                       <a:solidFill>
-                        <a:srgbClr val="CCCCCC"/>
+                        <a:schemeClr val="tx1"/>
                       </a:solidFill>
                       <a:prstDash val="solid"/>
                       <a:round/>
                       <a:headEnd type="none" w="med" len="med"/>
                       <a:tailEnd type="none" w="med" len="med"/>
                     </a:lnT>
-                    <a:lnB w="9525" cap="flat" cmpd="sng" algn="ctr">
+                    <a:lnB w="12700" cap="flat" cmpd="sng" algn="ctr">
                       <a:solidFill>
-                        <a:srgbClr val="000000"/>
+                        <a:schemeClr val="tx1"/>
                       </a:solidFill>
                       <a:prstDash val="solid"/>
                       <a:round/>
@@ -9411,7 +9540,7 @@
                     <a:p>
                       <a:pPr algn="ctr" rtl="0" fontAlgn="b"/>
                       <a:r>
-                        <a:rPr lang="vi-VN" sz="1400">
+                        <a:rPr lang="vi-VN" sz="1400" dirty="0">
                           <a:effectLst/>
                         </a:rPr>
                         <a:t>Completed</a:t>
@@ -9419,36 +9548,36 @@
                     </a:p>
                   </a:txBody>
                   <a:tcPr marL="21940" marR="21940" marT="14626" marB="14626" anchor="b">
-                    <a:lnL w="9525" cap="flat" cmpd="sng" algn="ctr">
+                    <a:lnL w="12700" cap="flat" cmpd="sng" algn="ctr">
                       <a:solidFill>
-                        <a:srgbClr val="CCCCCC"/>
+                        <a:schemeClr val="tx1"/>
                       </a:solidFill>
                       <a:prstDash val="solid"/>
                       <a:round/>
                       <a:headEnd type="none" w="med" len="med"/>
                       <a:tailEnd type="none" w="med" len="med"/>
                     </a:lnL>
-                    <a:lnR w="9525" cap="flat" cmpd="sng" algn="ctr">
+                    <a:lnR w="12700" cap="flat" cmpd="sng" algn="ctr">
                       <a:solidFill>
-                        <a:srgbClr val="CCCCCC"/>
+                        <a:schemeClr val="tx1"/>
                       </a:solidFill>
                       <a:prstDash val="solid"/>
                       <a:round/>
                       <a:headEnd type="none" w="med" len="med"/>
                       <a:tailEnd type="none" w="med" len="med"/>
                     </a:lnR>
-                    <a:lnT w="9525" cap="flat" cmpd="sng" algn="ctr">
+                    <a:lnT w="12700" cap="flat" cmpd="sng" algn="ctr">
                       <a:solidFill>
-                        <a:srgbClr val="CCCCCC"/>
+                        <a:schemeClr val="tx1"/>
                       </a:solidFill>
                       <a:prstDash val="solid"/>
                       <a:round/>
                       <a:headEnd type="none" w="med" len="med"/>
                       <a:tailEnd type="none" w="med" len="med"/>
                     </a:lnT>
-                    <a:lnB w="9525" cap="flat" cmpd="sng" algn="ctr">
+                    <a:lnB w="12700" cap="flat" cmpd="sng" algn="ctr">
                       <a:solidFill>
-                        <a:srgbClr val="000000"/>
+                        <a:schemeClr val="tx1"/>
                       </a:solidFill>
                       <a:prstDash val="solid"/>
                       <a:round/>
@@ -9472,36 +9601,36 @@
                     </a:p>
                   </a:txBody>
                   <a:tcPr marL="21940" marR="21940" marT="14626" marB="14626" anchor="b">
-                    <a:lnL w="9525" cap="flat" cmpd="sng" algn="ctr">
+                    <a:lnL w="12700" cap="flat" cmpd="sng" algn="ctr">
                       <a:solidFill>
-                        <a:srgbClr val="CCCCCC"/>
+                        <a:schemeClr val="tx1"/>
                       </a:solidFill>
                       <a:prstDash val="solid"/>
                       <a:round/>
                       <a:headEnd type="none" w="med" len="med"/>
                       <a:tailEnd type="none" w="med" len="med"/>
                     </a:lnL>
-                    <a:lnR w="9525" cap="flat" cmpd="sng" algn="ctr">
+                    <a:lnR w="12700" cap="flat" cmpd="sng" algn="ctr">
                       <a:solidFill>
-                        <a:srgbClr val="CCCCCC"/>
+                        <a:schemeClr val="tx1"/>
                       </a:solidFill>
                       <a:prstDash val="solid"/>
                       <a:round/>
                       <a:headEnd type="none" w="med" len="med"/>
                       <a:tailEnd type="none" w="med" len="med"/>
                     </a:lnR>
-                    <a:lnT w="9525" cap="flat" cmpd="sng" algn="ctr">
+                    <a:lnT w="12700" cap="flat" cmpd="sng" algn="ctr">
                       <a:solidFill>
-                        <a:srgbClr val="CCCCCC"/>
+                        <a:schemeClr val="tx1"/>
                       </a:solidFill>
                       <a:prstDash val="solid"/>
                       <a:round/>
                       <a:headEnd type="none" w="med" len="med"/>
                       <a:tailEnd type="none" w="med" len="med"/>
                     </a:lnT>
-                    <a:lnB w="9525" cap="flat" cmpd="sng" algn="ctr">
+                    <a:lnB w="12700" cap="flat" cmpd="sng" algn="ctr">
                       <a:solidFill>
-                        <a:srgbClr val="000000"/>
+                        <a:schemeClr val="tx1"/>
                       </a:solidFill>
                       <a:prstDash val="solid"/>
                       <a:round/>
@@ -9517,7 +9646,7 @@
                     <a:p>
                       <a:pPr algn="ctr" rtl="0" fontAlgn="b"/>
                       <a:r>
-                        <a:rPr lang="vi-VN" sz="1400">
+                        <a:rPr lang="vi-VN" sz="1400" dirty="0">
                           <a:effectLst/>
                         </a:rPr>
                         <a:t>7/25/2022</a:t>
@@ -9525,36 +9654,36 @@
                     </a:p>
                   </a:txBody>
                   <a:tcPr marL="21940" marR="21940" marT="14626" marB="14626" anchor="b">
-                    <a:lnL w="9525" cap="flat" cmpd="sng" algn="ctr">
+                    <a:lnL w="12700" cap="flat" cmpd="sng" algn="ctr">
                       <a:solidFill>
-                        <a:srgbClr val="CCCCCC"/>
+                        <a:schemeClr val="tx1"/>
                       </a:solidFill>
                       <a:prstDash val="solid"/>
                       <a:round/>
                       <a:headEnd type="none" w="med" len="med"/>
                       <a:tailEnd type="none" w="med" len="med"/>
                     </a:lnL>
-                    <a:lnR w="9525" cap="flat" cmpd="sng" algn="ctr">
+                    <a:lnR w="12700" cap="flat" cmpd="sng" algn="ctr">
                       <a:solidFill>
-                        <a:srgbClr val="CCCCCC"/>
+                        <a:schemeClr val="tx1"/>
                       </a:solidFill>
                       <a:prstDash val="solid"/>
                       <a:round/>
                       <a:headEnd type="none" w="med" len="med"/>
                       <a:tailEnd type="none" w="med" len="med"/>
                     </a:lnR>
-                    <a:lnT w="9525" cap="flat" cmpd="sng" algn="ctr">
+                    <a:lnT w="12700" cap="flat" cmpd="sng" algn="ctr">
                       <a:solidFill>
-                        <a:srgbClr val="CCCCCC"/>
+                        <a:schemeClr val="tx1"/>
                       </a:solidFill>
                       <a:prstDash val="solid"/>
                       <a:round/>
                       <a:headEnd type="none" w="med" len="med"/>
                       <a:tailEnd type="none" w="med" len="med"/>
                     </a:lnT>
-                    <a:lnB w="9525" cap="flat" cmpd="sng" algn="ctr">
+                    <a:lnB w="12700" cap="flat" cmpd="sng" algn="ctr">
                       <a:solidFill>
-                        <a:srgbClr val="000000"/>
+                        <a:schemeClr val="tx1"/>
                       </a:solidFill>
                       <a:prstDash val="solid"/>
                       <a:round/>
@@ -9578,36 +9707,36 @@
                     </a:p>
                   </a:txBody>
                   <a:tcPr marL="21940" marR="21940" marT="14626" marB="14626" anchor="b">
-                    <a:lnL w="9525" cap="flat" cmpd="sng" algn="ctr">
+                    <a:lnL w="12700" cap="flat" cmpd="sng" algn="ctr">
                       <a:solidFill>
-                        <a:srgbClr val="CCCCCC"/>
+                        <a:schemeClr val="tx1"/>
                       </a:solidFill>
                       <a:prstDash val="solid"/>
                       <a:round/>
                       <a:headEnd type="none" w="med" len="med"/>
                       <a:tailEnd type="none" w="med" len="med"/>
                     </a:lnL>
-                    <a:lnR w="9525" cap="flat" cmpd="sng" algn="ctr">
+                    <a:lnR w="12700" cap="flat" cmpd="sng" algn="ctr">
                       <a:solidFill>
-                        <a:srgbClr val="000000"/>
+                        <a:schemeClr val="tx1"/>
                       </a:solidFill>
                       <a:prstDash val="solid"/>
                       <a:round/>
                       <a:headEnd type="none" w="med" len="med"/>
                       <a:tailEnd type="none" w="med" len="med"/>
                     </a:lnR>
-                    <a:lnT w="9525" cap="flat" cmpd="sng" algn="ctr">
+                    <a:lnT w="12700" cap="flat" cmpd="sng" algn="ctr">
                       <a:solidFill>
-                        <a:srgbClr val="CCCCCC"/>
+                        <a:schemeClr val="tx1"/>
                       </a:solidFill>
                       <a:prstDash val="solid"/>
                       <a:round/>
                       <a:headEnd type="none" w="med" len="med"/>
                       <a:tailEnd type="none" w="med" len="med"/>
                     </a:lnT>
-                    <a:lnB w="9525" cap="flat" cmpd="sng" algn="ctr">
+                    <a:lnB w="12700" cap="flat" cmpd="sng" algn="ctr">
                       <a:solidFill>
-                        <a:srgbClr val="000000"/>
+                        <a:schemeClr val="tx1"/>
                       </a:solidFill>
                       <a:prstDash val="solid"/>
                       <a:round/>
@@ -10406,6 +10535,141 @@
 </file>
 
 <file path=customXml/item1.xml><?xml version="1.0" encoding="utf-8"?>
+<p:properties xmlns:p="http://schemas.microsoft.com/office/2006/metadata/properties" xmlns:xsi="http://www.w3.org/2001/XMLSchema-instance" xmlns:pc="http://schemas.microsoft.com/office/infopath/2007/PartnerControls">
+  <documentManagement>
+    <APDescription xmlns="4873beb7-5857-4685-be1f-d57550cc96cc" xsi:nil="true"/>
+    <AssetExpire xmlns="4873beb7-5857-4685-be1f-d57550cc96cc">2029-01-01T08:00:00+00:00</AssetExpire>
+    <CampaignTagsTaxHTField0 xmlns="4873beb7-5857-4685-be1f-d57550cc96cc">
+      <Terms xmlns="http://schemas.microsoft.com/office/infopath/2007/PartnerControls"/>
+    </CampaignTagsTaxHTField0>
+    <IntlLangReviewDate xmlns="4873beb7-5857-4685-be1f-d57550cc96cc" xsi:nil="true"/>
+    <TPFriendlyName xmlns="4873beb7-5857-4685-be1f-d57550cc96cc" xsi:nil="true"/>
+    <IntlLangReview xmlns="4873beb7-5857-4685-be1f-d57550cc96cc">false</IntlLangReview>
+    <LocLastLocAttemptVersionLookup xmlns="4873beb7-5857-4685-be1f-d57550cc96cc">855024</LocLastLocAttemptVersionLookup>
+    <PolicheckWords xmlns="4873beb7-5857-4685-be1f-d57550cc96cc" xsi:nil="true"/>
+    <SubmitterId xmlns="4873beb7-5857-4685-be1f-d57550cc96cc" xsi:nil="true"/>
+    <AcquiredFrom xmlns="4873beb7-5857-4685-be1f-d57550cc96cc">Internal MS</AcquiredFrom>
+    <EditorialStatus xmlns="4873beb7-5857-4685-be1f-d57550cc96cc">Complete</EditorialStatus>
+    <Markets xmlns="4873beb7-5857-4685-be1f-d57550cc96cc"/>
+    <OriginAsset xmlns="4873beb7-5857-4685-be1f-d57550cc96cc" xsi:nil="true"/>
+    <AssetStart xmlns="4873beb7-5857-4685-be1f-d57550cc96cc">2012-08-31T08:50:00+00:00</AssetStart>
+    <FriendlyTitle xmlns="4873beb7-5857-4685-be1f-d57550cc96cc" xsi:nil="true"/>
+    <MarketSpecific xmlns="4873beb7-5857-4685-be1f-d57550cc96cc">false</MarketSpecific>
+    <TPNamespace xmlns="4873beb7-5857-4685-be1f-d57550cc96cc" xsi:nil="true"/>
+    <PublishStatusLookup xmlns="4873beb7-5857-4685-be1f-d57550cc96cc">
+      <Value>1616423</Value>
+    </PublishStatusLookup>
+    <APAuthor xmlns="4873beb7-5857-4685-be1f-d57550cc96cc">
+      <UserInfo>
+        <DisplayName>REDMOND\kristaa</DisplayName>
+        <AccountId>136</AccountId>
+        <AccountType/>
+      </UserInfo>
+    </APAuthor>
+    <TPCommandLine xmlns="4873beb7-5857-4685-be1f-d57550cc96cc" xsi:nil="true"/>
+    <IntlLangReviewer xmlns="4873beb7-5857-4685-be1f-d57550cc96cc" xsi:nil="true"/>
+    <OpenTemplate xmlns="4873beb7-5857-4685-be1f-d57550cc96cc">true</OpenTemplate>
+    <CSXSubmissionDate xmlns="4873beb7-5857-4685-be1f-d57550cc96cc" xsi:nil="true"/>
+    <TaxCatchAll xmlns="4873beb7-5857-4685-be1f-d57550cc96cc"/>
+    <Manager xmlns="4873beb7-5857-4685-be1f-d57550cc96cc" xsi:nil="true"/>
+    <NumericId xmlns="4873beb7-5857-4685-be1f-d57550cc96cc" xsi:nil="true"/>
+    <ParentAssetId xmlns="4873beb7-5857-4685-be1f-d57550cc96cc" xsi:nil="true"/>
+    <OriginalSourceMarket xmlns="4873beb7-5857-4685-be1f-d57550cc96cc" xsi:nil="true"/>
+    <ApprovalStatus xmlns="4873beb7-5857-4685-be1f-d57550cc96cc">InProgress</ApprovalStatus>
+    <TPComponent xmlns="4873beb7-5857-4685-be1f-d57550cc96cc" xsi:nil="true"/>
+    <EditorialTags xmlns="4873beb7-5857-4685-be1f-d57550cc96cc" xsi:nil="true"/>
+    <TPExecutable xmlns="4873beb7-5857-4685-be1f-d57550cc96cc" xsi:nil="true"/>
+    <TPLaunchHelpLink xmlns="4873beb7-5857-4685-be1f-d57550cc96cc" xsi:nil="true"/>
+    <LocComments xmlns="4873beb7-5857-4685-be1f-d57550cc96cc" xsi:nil="true"/>
+    <LocRecommendedHandoff xmlns="4873beb7-5857-4685-be1f-d57550cc96cc" xsi:nil="true"/>
+    <SourceTitle xmlns="4873beb7-5857-4685-be1f-d57550cc96cc" xsi:nil="true"/>
+    <CSXUpdate xmlns="4873beb7-5857-4685-be1f-d57550cc96cc">false</CSXUpdate>
+    <IntlLocPriority xmlns="4873beb7-5857-4685-be1f-d57550cc96cc" xsi:nil="true"/>
+    <UAProjectedTotalWords xmlns="4873beb7-5857-4685-be1f-d57550cc96cc" xsi:nil="true"/>
+    <AssetType xmlns="4873beb7-5857-4685-be1f-d57550cc96cc">TP</AssetType>
+    <MachineTranslated xmlns="4873beb7-5857-4685-be1f-d57550cc96cc">false</MachineTranslated>
+    <OutputCachingOn xmlns="4873beb7-5857-4685-be1f-d57550cc96cc">false</OutputCachingOn>
+    <TemplateStatus xmlns="4873beb7-5857-4685-be1f-d57550cc96cc">Complete</TemplateStatus>
+    <IsSearchable xmlns="4873beb7-5857-4685-be1f-d57550cc96cc">true</IsSearchable>
+    <ContentItem xmlns="4873beb7-5857-4685-be1f-d57550cc96cc" xsi:nil="true"/>
+    <HandoffToMSDN xmlns="4873beb7-5857-4685-be1f-d57550cc96cc" xsi:nil="true"/>
+    <ShowIn xmlns="4873beb7-5857-4685-be1f-d57550cc96cc">Show everywhere</ShowIn>
+    <ThumbnailAssetId xmlns="4873beb7-5857-4685-be1f-d57550cc96cc" xsi:nil="true"/>
+    <UALocComments xmlns="4873beb7-5857-4685-be1f-d57550cc96cc" xsi:nil="true"/>
+    <UALocRecommendation xmlns="4873beb7-5857-4685-be1f-d57550cc96cc">Localize</UALocRecommendation>
+    <LastModifiedDateTime xmlns="4873beb7-5857-4685-be1f-d57550cc96cc" xsi:nil="true"/>
+    <LegacyData xmlns="4873beb7-5857-4685-be1f-d57550cc96cc" xsi:nil="true"/>
+    <LocManualTestRequired xmlns="4873beb7-5857-4685-be1f-d57550cc96cc">false</LocManualTestRequired>
+    <LocMarketGroupTiers2 xmlns="4873beb7-5857-4685-be1f-d57550cc96cc" xsi:nil="true"/>
+    <ClipArtFilename xmlns="4873beb7-5857-4685-be1f-d57550cc96cc" xsi:nil="true"/>
+    <TPApplication xmlns="4873beb7-5857-4685-be1f-d57550cc96cc" xsi:nil="true"/>
+    <CSXHash xmlns="4873beb7-5857-4685-be1f-d57550cc96cc" xsi:nil="true"/>
+    <DirectSourceMarket xmlns="4873beb7-5857-4685-be1f-d57550cc96cc" xsi:nil="true"/>
+    <PrimaryImageGen xmlns="4873beb7-5857-4685-be1f-d57550cc96cc">true</PrimaryImageGen>
+    <PlannedPubDate xmlns="4873beb7-5857-4685-be1f-d57550cc96cc" xsi:nil="true"/>
+    <CSXSubmissionMarket xmlns="4873beb7-5857-4685-be1f-d57550cc96cc" xsi:nil="true"/>
+    <Downloads xmlns="4873beb7-5857-4685-be1f-d57550cc96cc">0</Downloads>
+    <ArtSampleDocs xmlns="4873beb7-5857-4685-be1f-d57550cc96cc" xsi:nil="true"/>
+    <TrustLevel xmlns="4873beb7-5857-4685-be1f-d57550cc96cc">1 Microsoft Managed Content</TrustLevel>
+    <BlockPublish xmlns="4873beb7-5857-4685-be1f-d57550cc96cc">false</BlockPublish>
+    <TPLaunchHelpLinkType xmlns="4873beb7-5857-4685-be1f-d57550cc96cc">Template</TPLaunchHelpLinkType>
+    <LocalizationTagsTaxHTField0 xmlns="4873beb7-5857-4685-be1f-d57550cc96cc">
+      <Terms xmlns="http://schemas.microsoft.com/office/infopath/2007/PartnerControls"/>
+    </LocalizationTagsTaxHTField0>
+    <BusinessGroup xmlns="4873beb7-5857-4685-be1f-d57550cc96cc" xsi:nil="true"/>
+    <Providers xmlns="4873beb7-5857-4685-be1f-d57550cc96cc" xsi:nil="true"/>
+    <TemplateTemplateType xmlns="4873beb7-5857-4685-be1f-d57550cc96cc">PowerPoint Presentation Template</TemplateTemplateType>
+    <TimesCloned xmlns="4873beb7-5857-4685-be1f-d57550cc96cc" xsi:nil="true"/>
+    <TPAppVersion xmlns="4873beb7-5857-4685-be1f-d57550cc96cc" xsi:nil="true"/>
+    <VoteCount xmlns="4873beb7-5857-4685-be1f-d57550cc96cc" xsi:nil="true"/>
+    <AverageRating xmlns="4873beb7-5857-4685-be1f-d57550cc96cc" xsi:nil="true"/>
+    <FeatureTagsTaxHTField0 xmlns="4873beb7-5857-4685-be1f-d57550cc96cc">
+      <Terms xmlns="http://schemas.microsoft.com/office/infopath/2007/PartnerControls"/>
+    </FeatureTagsTaxHTField0>
+    <Provider xmlns="4873beb7-5857-4685-be1f-d57550cc96cc" xsi:nil="true"/>
+    <UACurrentWords xmlns="4873beb7-5857-4685-be1f-d57550cc96cc" xsi:nil="true"/>
+    <AssetId xmlns="4873beb7-5857-4685-be1f-d57550cc96cc">TP103431361</AssetId>
+    <TPClientViewer xmlns="4873beb7-5857-4685-be1f-d57550cc96cc" xsi:nil="true"/>
+    <DSATActionTaken xmlns="4873beb7-5857-4685-be1f-d57550cc96cc" xsi:nil="true"/>
+    <APEditor xmlns="4873beb7-5857-4685-be1f-d57550cc96cc">
+      <UserInfo>
+        <DisplayName/>
+        <AccountId xsi:nil="true"/>
+        <AccountType/>
+      </UserInfo>
+    </APEditor>
+    <TPInstallLocation xmlns="4873beb7-5857-4685-be1f-d57550cc96cc" xsi:nil="true"/>
+    <OOCacheId xmlns="4873beb7-5857-4685-be1f-d57550cc96cc" xsi:nil="true"/>
+    <IsDeleted xmlns="4873beb7-5857-4685-be1f-d57550cc96cc">false</IsDeleted>
+    <PublishTargets xmlns="4873beb7-5857-4685-be1f-d57550cc96cc">OfficeOnlineVNext</PublishTargets>
+    <ApprovalLog xmlns="4873beb7-5857-4685-be1f-d57550cc96cc" xsi:nil="true"/>
+    <BugNumber xmlns="4873beb7-5857-4685-be1f-d57550cc96cc" xsi:nil="true"/>
+    <CrawlForDependencies xmlns="4873beb7-5857-4685-be1f-d57550cc96cc">false</CrawlForDependencies>
+    <InternalTagsTaxHTField0 xmlns="4873beb7-5857-4685-be1f-d57550cc96cc">
+      <Terms xmlns="http://schemas.microsoft.com/office/infopath/2007/PartnerControls"/>
+    </InternalTagsTaxHTField0>
+    <LastHandOff xmlns="4873beb7-5857-4685-be1f-d57550cc96cc" xsi:nil="true"/>
+    <Milestone xmlns="4873beb7-5857-4685-be1f-d57550cc96cc" xsi:nil="true"/>
+    <OriginalRelease xmlns="4873beb7-5857-4685-be1f-d57550cc96cc">15</OriginalRelease>
+    <RecommendationsModifier xmlns="4873beb7-5857-4685-be1f-d57550cc96cc" xsi:nil="true"/>
+    <ScenarioTagsTaxHTField0 xmlns="4873beb7-5857-4685-be1f-d57550cc96cc">
+      <Terms xmlns="http://schemas.microsoft.com/office/infopath/2007/PartnerControls"/>
+    </ScenarioTagsTaxHTField0>
+    <UANotes xmlns="4873beb7-5857-4685-be1f-d57550cc96cc" xsi:nil="true"/>
+  </documentManagement>
+</p:properties>
+</file>
+
+<file path=customXml/item2.xml><?xml version="1.0" encoding="utf-8"?>
+<?mso-contentType ?>
+<FormTemplates xmlns="http://schemas.microsoft.com/sharepoint/v3/contenttype/forms">
+  <Display>DocumentLibraryForm</Display>
+  <Edit>AssetEditForm</Edit>
+  <New>DocumentLibraryForm</New>
+</FormTemplates>
+</file>
+
+<file path=customXml/item3.xml><?xml version="1.0" encoding="utf-8"?>
 <ct:contentTypeSchema xmlns:ct="http://schemas.microsoft.com/office/2006/metadata/contentType" xmlns:ma="http://schemas.microsoft.com/office/2006/metadata/properties/metaAttributes" ct:_="" ma:_="" ma:contentTypeName="TemplateFile" ma:contentTypeID="0x0101006EDDDB5EE6D98C44930B742096920B300400F5B6D36B3EF94B4E9A635CDF2A18F5B8" ma:contentTypeVersion="72" ma:contentTypeDescription="Create a new document." ma:contentTypeScope="" ma:versionID="a23e56308344d904b51738559c3d67c9">
   <xsd:schema xmlns:xsd="http://www.w3.org/2001/XMLSchema" xmlns:xs="http://www.w3.org/2001/XMLSchema" xmlns:p="http://schemas.microsoft.com/office/2006/metadata/properties" xmlns:ns2="4873beb7-5857-4685-be1f-d57550cc96cc" targetNamespace="http://schemas.microsoft.com/office/2006/metadata/properties" ma:root="true" ma:fieldsID="cd0908cc4600e77bf5da051303e00c8d" ns2:_="">
     <xsd:import namespace="4873beb7-5857-4685-be1f-d57550cc96cc"/>
@@ -11445,142 +11709,31 @@
 </ct:contentTypeSchema>
 </file>
 
-<file path=customXml/item2.xml><?xml version="1.0" encoding="utf-8"?>
-<?mso-contentType ?>
-<FormTemplates xmlns="http://schemas.microsoft.com/sharepoint/v3/contenttype/forms">
-  <Display>DocumentLibraryForm</Display>
-  <Edit>AssetEditForm</Edit>
-  <New>DocumentLibraryForm</New>
-</FormTemplates>
+<file path=customXml/itemProps1.xml><?xml version="1.0" encoding="utf-8"?>
+<ds:datastoreItem xmlns:ds="http://schemas.openxmlformats.org/officeDocument/2006/customXml" ds:itemID="{8CDDBB83-77C1-4099-A0AA-289882E745E2}">
+  <ds:schemaRefs>
+    <ds:schemaRef ds:uri="4873beb7-5857-4685-be1f-d57550cc96cc"/>
+    <ds:schemaRef ds:uri="http://schemas.microsoft.com/office/2006/metadata/properties"/>
+    <ds:schemaRef ds:uri="http://www.w3.org/XML/1998/namespace"/>
+    <ds:schemaRef ds:uri="http://schemas.microsoft.com/office/2006/documentManagement/types"/>
+    <ds:schemaRef ds:uri="http://purl.org/dc/terms/"/>
+    <ds:schemaRef ds:uri="http://schemas.microsoft.com/office/infopath/2007/PartnerControls"/>
+    <ds:schemaRef ds:uri="http://schemas.openxmlformats.org/package/2006/metadata/core-properties"/>
+    <ds:schemaRef ds:uri="http://purl.org/dc/dcmitype/"/>
+    <ds:schemaRef ds:uri="http://purl.org/dc/elements/1.1/"/>
+  </ds:schemaRefs>
+</ds:datastoreItem>
 </file>
 
-<file path=customXml/item3.xml><?xml version="1.0" encoding="utf-8"?>
-<p:properties xmlns:p="http://schemas.microsoft.com/office/2006/metadata/properties" xmlns:xsi="http://www.w3.org/2001/XMLSchema-instance" xmlns:pc="http://schemas.microsoft.com/office/infopath/2007/PartnerControls">
-  <documentManagement>
-    <APDescription xmlns="4873beb7-5857-4685-be1f-d57550cc96cc" xsi:nil="true"/>
-    <AssetExpire xmlns="4873beb7-5857-4685-be1f-d57550cc96cc">2029-01-01T08:00:00+00:00</AssetExpire>
-    <CampaignTagsTaxHTField0 xmlns="4873beb7-5857-4685-be1f-d57550cc96cc">
-      <Terms xmlns="http://schemas.microsoft.com/office/infopath/2007/PartnerControls"/>
-    </CampaignTagsTaxHTField0>
-    <IntlLangReviewDate xmlns="4873beb7-5857-4685-be1f-d57550cc96cc" xsi:nil="true"/>
-    <TPFriendlyName xmlns="4873beb7-5857-4685-be1f-d57550cc96cc" xsi:nil="true"/>
-    <IntlLangReview xmlns="4873beb7-5857-4685-be1f-d57550cc96cc">false</IntlLangReview>
-    <LocLastLocAttemptVersionLookup xmlns="4873beb7-5857-4685-be1f-d57550cc96cc">855024</LocLastLocAttemptVersionLookup>
-    <PolicheckWords xmlns="4873beb7-5857-4685-be1f-d57550cc96cc" xsi:nil="true"/>
-    <SubmitterId xmlns="4873beb7-5857-4685-be1f-d57550cc96cc" xsi:nil="true"/>
-    <AcquiredFrom xmlns="4873beb7-5857-4685-be1f-d57550cc96cc">Internal MS</AcquiredFrom>
-    <EditorialStatus xmlns="4873beb7-5857-4685-be1f-d57550cc96cc">Complete</EditorialStatus>
-    <Markets xmlns="4873beb7-5857-4685-be1f-d57550cc96cc"/>
-    <OriginAsset xmlns="4873beb7-5857-4685-be1f-d57550cc96cc" xsi:nil="true"/>
-    <AssetStart xmlns="4873beb7-5857-4685-be1f-d57550cc96cc">2012-08-31T08:50:00+00:00</AssetStart>
-    <FriendlyTitle xmlns="4873beb7-5857-4685-be1f-d57550cc96cc" xsi:nil="true"/>
-    <MarketSpecific xmlns="4873beb7-5857-4685-be1f-d57550cc96cc">false</MarketSpecific>
-    <TPNamespace xmlns="4873beb7-5857-4685-be1f-d57550cc96cc" xsi:nil="true"/>
-    <PublishStatusLookup xmlns="4873beb7-5857-4685-be1f-d57550cc96cc">
-      <Value>1616423</Value>
-    </PublishStatusLookup>
-    <APAuthor xmlns="4873beb7-5857-4685-be1f-d57550cc96cc">
-      <UserInfo>
-        <DisplayName>REDMOND\kristaa</DisplayName>
-        <AccountId>136</AccountId>
-        <AccountType/>
-      </UserInfo>
-    </APAuthor>
-    <TPCommandLine xmlns="4873beb7-5857-4685-be1f-d57550cc96cc" xsi:nil="true"/>
-    <IntlLangReviewer xmlns="4873beb7-5857-4685-be1f-d57550cc96cc" xsi:nil="true"/>
-    <OpenTemplate xmlns="4873beb7-5857-4685-be1f-d57550cc96cc">true</OpenTemplate>
-    <CSXSubmissionDate xmlns="4873beb7-5857-4685-be1f-d57550cc96cc" xsi:nil="true"/>
-    <TaxCatchAll xmlns="4873beb7-5857-4685-be1f-d57550cc96cc"/>
-    <Manager xmlns="4873beb7-5857-4685-be1f-d57550cc96cc" xsi:nil="true"/>
-    <NumericId xmlns="4873beb7-5857-4685-be1f-d57550cc96cc" xsi:nil="true"/>
-    <ParentAssetId xmlns="4873beb7-5857-4685-be1f-d57550cc96cc" xsi:nil="true"/>
-    <OriginalSourceMarket xmlns="4873beb7-5857-4685-be1f-d57550cc96cc" xsi:nil="true"/>
-    <ApprovalStatus xmlns="4873beb7-5857-4685-be1f-d57550cc96cc">InProgress</ApprovalStatus>
-    <TPComponent xmlns="4873beb7-5857-4685-be1f-d57550cc96cc" xsi:nil="true"/>
-    <EditorialTags xmlns="4873beb7-5857-4685-be1f-d57550cc96cc" xsi:nil="true"/>
-    <TPExecutable xmlns="4873beb7-5857-4685-be1f-d57550cc96cc" xsi:nil="true"/>
-    <TPLaunchHelpLink xmlns="4873beb7-5857-4685-be1f-d57550cc96cc" xsi:nil="true"/>
-    <LocComments xmlns="4873beb7-5857-4685-be1f-d57550cc96cc" xsi:nil="true"/>
-    <LocRecommendedHandoff xmlns="4873beb7-5857-4685-be1f-d57550cc96cc" xsi:nil="true"/>
-    <SourceTitle xmlns="4873beb7-5857-4685-be1f-d57550cc96cc" xsi:nil="true"/>
-    <CSXUpdate xmlns="4873beb7-5857-4685-be1f-d57550cc96cc">false</CSXUpdate>
-    <IntlLocPriority xmlns="4873beb7-5857-4685-be1f-d57550cc96cc" xsi:nil="true"/>
-    <UAProjectedTotalWords xmlns="4873beb7-5857-4685-be1f-d57550cc96cc" xsi:nil="true"/>
-    <AssetType xmlns="4873beb7-5857-4685-be1f-d57550cc96cc">TP</AssetType>
-    <MachineTranslated xmlns="4873beb7-5857-4685-be1f-d57550cc96cc">false</MachineTranslated>
-    <OutputCachingOn xmlns="4873beb7-5857-4685-be1f-d57550cc96cc">false</OutputCachingOn>
-    <TemplateStatus xmlns="4873beb7-5857-4685-be1f-d57550cc96cc">Complete</TemplateStatus>
-    <IsSearchable xmlns="4873beb7-5857-4685-be1f-d57550cc96cc">true</IsSearchable>
-    <ContentItem xmlns="4873beb7-5857-4685-be1f-d57550cc96cc" xsi:nil="true"/>
-    <HandoffToMSDN xmlns="4873beb7-5857-4685-be1f-d57550cc96cc" xsi:nil="true"/>
-    <ShowIn xmlns="4873beb7-5857-4685-be1f-d57550cc96cc">Show everywhere</ShowIn>
-    <ThumbnailAssetId xmlns="4873beb7-5857-4685-be1f-d57550cc96cc" xsi:nil="true"/>
-    <UALocComments xmlns="4873beb7-5857-4685-be1f-d57550cc96cc" xsi:nil="true"/>
-    <UALocRecommendation xmlns="4873beb7-5857-4685-be1f-d57550cc96cc">Localize</UALocRecommendation>
-    <LastModifiedDateTime xmlns="4873beb7-5857-4685-be1f-d57550cc96cc" xsi:nil="true"/>
-    <LegacyData xmlns="4873beb7-5857-4685-be1f-d57550cc96cc" xsi:nil="true"/>
-    <LocManualTestRequired xmlns="4873beb7-5857-4685-be1f-d57550cc96cc">false</LocManualTestRequired>
-    <LocMarketGroupTiers2 xmlns="4873beb7-5857-4685-be1f-d57550cc96cc" xsi:nil="true"/>
-    <ClipArtFilename xmlns="4873beb7-5857-4685-be1f-d57550cc96cc" xsi:nil="true"/>
-    <TPApplication xmlns="4873beb7-5857-4685-be1f-d57550cc96cc" xsi:nil="true"/>
-    <CSXHash xmlns="4873beb7-5857-4685-be1f-d57550cc96cc" xsi:nil="true"/>
-    <DirectSourceMarket xmlns="4873beb7-5857-4685-be1f-d57550cc96cc" xsi:nil="true"/>
-    <PrimaryImageGen xmlns="4873beb7-5857-4685-be1f-d57550cc96cc">true</PrimaryImageGen>
-    <PlannedPubDate xmlns="4873beb7-5857-4685-be1f-d57550cc96cc" xsi:nil="true"/>
-    <CSXSubmissionMarket xmlns="4873beb7-5857-4685-be1f-d57550cc96cc" xsi:nil="true"/>
-    <Downloads xmlns="4873beb7-5857-4685-be1f-d57550cc96cc">0</Downloads>
-    <ArtSampleDocs xmlns="4873beb7-5857-4685-be1f-d57550cc96cc" xsi:nil="true"/>
-    <TrustLevel xmlns="4873beb7-5857-4685-be1f-d57550cc96cc">1 Microsoft Managed Content</TrustLevel>
-    <BlockPublish xmlns="4873beb7-5857-4685-be1f-d57550cc96cc">false</BlockPublish>
-    <TPLaunchHelpLinkType xmlns="4873beb7-5857-4685-be1f-d57550cc96cc">Template</TPLaunchHelpLinkType>
-    <LocalizationTagsTaxHTField0 xmlns="4873beb7-5857-4685-be1f-d57550cc96cc">
-      <Terms xmlns="http://schemas.microsoft.com/office/infopath/2007/PartnerControls"/>
-    </LocalizationTagsTaxHTField0>
-    <BusinessGroup xmlns="4873beb7-5857-4685-be1f-d57550cc96cc" xsi:nil="true"/>
-    <Providers xmlns="4873beb7-5857-4685-be1f-d57550cc96cc" xsi:nil="true"/>
-    <TemplateTemplateType xmlns="4873beb7-5857-4685-be1f-d57550cc96cc">PowerPoint Presentation Template</TemplateTemplateType>
-    <TimesCloned xmlns="4873beb7-5857-4685-be1f-d57550cc96cc" xsi:nil="true"/>
-    <TPAppVersion xmlns="4873beb7-5857-4685-be1f-d57550cc96cc" xsi:nil="true"/>
-    <VoteCount xmlns="4873beb7-5857-4685-be1f-d57550cc96cc" xsi:nil="true"/>
-    <AverageRating xmlns="4873beb7-5857-4685-be1f-d57550cc96cc" xsi:nil="true"/>
-    <FeatureTagsTaxHTField0 xmlns="4873beb7-5857-4685-be1f-d57550cc96cc">
-      <Terms xmlns="http://schemas.microsoft.com/office/infopath/2007/PartnerControls"/>
-    </FeatureTagsTaxHTField0>
-    <Provider xmlns="4873beb7-5857-4685-be1f-d57550cc96cc" xsi:nil="true"/>
-    <UACurrentWords xmlns="4873beb7-5857-4685-be1f-d57550cc96cc" xsi:nil="true"/>
-    <AssetId xmlns="4873beb7-5857-4685-be1f-d57550cc96cc">TP103431361</AssetId>
-    <TPClientViewer xmlns="4873beb7-5857-4685-be1f-d57550cc96cc" xsi:nil="true"/>
-    <DSATActionTaken xmlns="4873beb7-5857-4685-be1f-d57550cc96cc" xsi:nil="true"/>
-    <APEditor xmlns="4873beb7-5857-4685-be1f-d57550cc96cc">
-      <UserInfo>
-        <DisplayName/>
-        <AccountId xsi:nil="true"/>
-        <AccountType/>
-      </UserInfo>
-    </APEditor>
-    <TPInstallLocation xmlns="4873beb7-5857-4685-be1f-d57550cc96cc" xsi:nil="true"/>
-    <OOCacheId xmlns="4873beb7-5857-4685-be1f-d57550cc96cc" xsi:nil="true"/>
-    <IsDeleted xmlns="4873beb7-5857-4685-be1f-d57550cc96cc">false</IsDeleted>
-    <PublishTargets xmlns="4873beb7-5857-4685-be1f-d57550cc96cc">OfficeOnlineVNext</PublishTargets>
-    <ApprovalLog xmlns="4873beb7-5857-4685-be1f-d57550cc96cc" xsi:nil="true"/>
-    <BugNumber xmlns="4873beb7-5857-4685-be1f-d57550cc96cc" xsi:nil="true"/>
-    <CrawlForDependencies xmlns="4873beb7-5857-4685-be1f-d57550cc96cc">false</CrawlForDependencies>
-    <InternalTagsTaxHTField0 xmlns="4873beb7-5857-4685-be1f-d57550cc96cc">
-      <Terms xmlns="http://schemas.microsoft.com/office/infopath/2007/PartnerControls"/>
-    </InternalTagsTaxHTField0>
-    <LastHandOff xmlns="4873beb7-5857-4685-be1f-d57550cc96cc" xsi:nil="true"/>
-    <Milestone xmlns="4873beb7-5857-4685-be1f-d57550cc96cc" xsi:nil="true"/>
-    <OriginalRelease xmlns="4873beb7-5857-4685-be1f-d57550cc96cc">15</OriginalRelease>
-    <RecommendationsModifier xmlns="4873beb7-5857-4685-be1f-d57550cc96cc" xsi:nil="true"/>
-    <ScenarioTagsTaxHTField0 xmlns="4873beb7-5857-4685-be1f-d57550cc96cc">
-      <Terms xmlns="http://schemas.microsoft.com/office/infopath/2007/PartnerControls"/>
-    </ScenarioTagsTaxHTField0>
-    <UANotes xmlns="4873beb7-5857-4685-be1f-d57550cc96cc" xsi:nil="true"/>
-  </documentManagement>
-</p:properties>
+<file path=customXml/itemProps2.xml><?xml version="1.0" encoding="utf-8"?>
+<ds:datastoreItem xmlns:ds="http://schemas.openxmlformats.org/officeDocument/2006/customXml" ds:itemID="{561E720F-F05D-4536-9C34-0CFCED65D3B7}">
+  <ds:schemaRefs>
+    <ds:schemaRef ds:uri="http://schemas.microsoft.com/sharepoint/v3/contenttype/forms"/>
+  </ds:schemaRefs>
+</ds:datastoreItem>
 </file>
 
-<file path=customXml/itemProps1.xml><?xml version="1.0" encoding="utf-8"?>
+<file path=customXml/itemProps3.xml><?xml version="1.0" encoding="utf-8"?>
 <ds:datastoreItem xmlns:ds="http://schemas.openxmlformats.org/officeDocument/2006/customXml" ds:itemID="{28C8B9CA-0273-4370-889A-FC05DA5C2FA5}">
   <ds:schemaRefs>
     <ds:schemaRef ds:uri="http://schemas.microsoft.com/office/2006/metadata/contentType"/>
@@ -11596,28 +11749,4 @@
     <ds:schemaRef ds:uri="http://schemas.microsoft.com/internal/obd"/>
   </ds:schemaRefs>
 </ds:datastoreItem>
-</file>
-
-<file path=customXml/itemProps2.xml><?xml version="1.0" encoding="utf-8"?>
-<ds:datastoreItem xmlns:ds="http://schemas.openxmlformats.org/officeDocument/2006/customXml" ds:itemID="{561E720F-F05D-4536-9C34-0CFCED65D3B7}">
-  <ds:schemaRefs>
-    <ds:schemaRef ds:uri="http://schemas.microsoft.com/sharepoint/v3/contenttype/forms"/>
-  </ds:schemaRefs>
-</ds:datastoreItem>
-</file>
-
-<file path=customXml/itemProps3.xml><?xml version="1.0" encoding="utf-8"?>
-<ds:datastoreItem xmlns:ds="http://schemas.openxmlformats.org/officeDocument/2006/customXml" ds:itemID="{8CDDBB83-77C1-4099-A0AA-289882E745E2}">
-  <ds:schemaRefs>
-    <ds:schemaRef ds:uri="4873beb7-5857-4685-be1f-d57550cc96cc"/>
-    <ds:schemaRef ds:uri="http://schemas.microsoft.com/office/2006/metadata/properties"/>
-    <ds:schemaRef ds:uri="http://www.w3.org/XML/1998/namespace"/>
-    <ds:schemaRef ds:uri="http://schemas.microsoft.com/office/2006/documentManagement/types"/>
-    <ds:schemaRef ds:uri="http://purl.org/dc/terms/"/>
-    <ds:schemaRef ds:uri="http://schemas.microsoft.com/office/infopath/2007/PartnerControls"/>
-    <ds:schemaRef ds:uri="http://schemas.openxmlformats.org/package/2006/metadata/core-properties"/>
-    <ds:schemaRef ds:uri="http://purl.org/dc/dcmitype/"/>
-    <ds:schemaRef ds:uri="http://purl.org/dc/elements/1.1/"/>
-  </ds:schemaRefs>
-</ds:datastoreItem>
 </file>
--- a/Nhóm 5 - MusicWeb/doc/MusicWeb.pptx
+++ b/Nhóm 5 - MusicWeb/doc/MusicWeb.pptx
@@ -8086,49 +8086,49 @@
           <p:nvPr>
             <p:extLst>
               <p:ext uri="{D42A27DB-BD31-4B8C-83A1-F6EECF244321}">
-                <p14:modId xmlns:p14="http://schemas.microsoft.com/office/powerpoint/2010/main" val="3813886465"/>
+                <p14:modId xmlns:p14="http://schemas.microsoft.com/office/powerpoint/2010/main" val="629875947"/>
               </p:ext>
             </p:extLst>
           </p:nvPr>
         </p:nvGraphicFramePr>
         <p:xfrm>
-          <a:off x="897906" y="2896188"/>
-          <a:ext cx="11294094" cy="2598098"/>
+          <a:off x="654341" y="2896188"/>
+          <a:ext cx="11537659" cy="2598098"/>
         </p:xfrm>
         <a:graphic>
           <a:graphicData uri="http://schemas.openxmlformats.org/drawingml/2006/table">
             <a:tbl>
               <a:tblPr/>
               <a:tblGrid>
-                <a:gridCol w="7177881">
+                <a:gridCol w="7332677">
                   <a:extLst>
                     <a:ext uri="{9D8B030D-6E8A-4147-A177-3AD203B41FA5}">
                       <a16:colId xmlns:a16="http://schemas.microsoft.com/office/drawing/2014/main" val="3602780504"/>
                     </a:ext>
                   </a:extLst>
                 </a:gridCol>
-                <a:gridCol w="1001262">
+                <a:gridCol w="1022855">
                   <a:extLst>
                     <a:ext uri="{9D8B030D-6E8A-4147-A177-3AD203B41FA5}">
                       <a16:colId xmlns:a16="http://schemas.microsoft.com/office/drawing/2014/main" val="869448160"/>
                     </a:ext>
                   </a:extLst>
                 </a:gridCol>
-                <a:gridCol w="1157303">
+                <a:gridCol w="1182261">
                   <a:extLst>
                     <a:ext uri="{9D8B030D-6E8A-4147-A177-3AD203B41FA5}">
                       <a16:colId xmlns:a16="http://schemas.microsoft.com/office/drawing/2014/main" val="2860387938"/>
                     </a:ext>
                   </a:extLst>
                 </a:gridCol>
-                <a:gridCol w="1014266">
+                <a:gridCol w="1036139">
                   <a:extLst>
                     <a:ext uri="{9D8B030D-6E8A-4147-A177-3AD203B41FA5}">
                       <a16:colId xmlns:a16="http://schemas.microsoft.com/office/drawing/2014/main" val="599120626"/>
                     </a:ext>
                   </a:extLst>
                 </a:gridCol>
-                <a:gridCol w="943382">
+                <a:gridCol w="963727">
                   <a:extLst>
                     <a:ext uri="{9D8B030D-6E8A-4147-A177-3AD203B41FA5}">
                       <a16:colId xmlns:a16="http://schemas.microsoft.com/office/drawing/2014/main" val="219880363"/>
@@ -8549,7 +8549,35 @@
                           <a:effectLst/>
                           <a:latin typeface="+mn-lt"/>
                         </a:rPr>
-                        <a:t>Login Fb Google,Reset Password,Verify Email</a:t>
+                        <a:t>Login Fb Google,</a:t>
+                      </a:r>
+                      <a:r>
+                        <a:rPr lang="en-US" sz="1400" dirty="0">
+                          <a:effectLst/>
+                          <a:latin typeface="+mn-lt"/>
+                        </a:rPr>
+                        <a:t> Forget/</a:t>
+                      </a:r>
+                      <a:r>
+                        <a:rPr lang="vi-VN" sz="1400" dirty="0">
+                          <a:effectLst/>
+                          <a:latin typeface="+mn-lt"/>
+                        </a:rPr>
+                        <a:t>Reset Password,</a:t>
+                      </a:r>
+                      <a:r>
+                        <a:rPr lang="en-US" sz="1400" dirty="0">
+                          <a:effectLst/>
+                          <a:latin typeface="+mn-lt"/>
+                        </a:rPr>
+                        <a:t> </a:t>
+                      </a:r>
+                      <a:r>
+                        <a:rPr lang="vi-VN" sz="1400" dirty="0">
+                          <a:effectLst/>
+                          <a:latin typeface="+mn-lt"/>
+                        </a:rPr>
+                        <a:t>Verify Email</a:t>
                       </a:r>
                       <a:r>
                         <a:rPr lang="en-US" sz="1400" dirty="0">
@@ -8564,7 +8592,7 @@
                           <a:latin typeface="Arial" panose="020B0604020202020204" pitchFamily="34" charset="0"/>
                           <a:cs typeface="Arial" panose="020B0604020202020204" pitchFamily="34" charset="0"/>
                         </a:rPr>
-                        <a:t>reset-Password/register</a:t>
+                        <a:t>reset-password/register</a:t>
                       </a:r>
                       <a:r>
                         <a:rPr lang="en-US" sz="1400" dirty="0">
@@ -8585,7 +8613,7 @@
                           <a:effectLst/>
                           <a:latin typeface="+mn-lt"/>
                         </a:rPr>
-                        <a:t> </a:t>
+                        <a:t>, </a:t>
                       </a:r>
                       <a:r>
                         <a:rPr lang="vi-VN" sz="1400" dirty="0">
@@ -10535,6 +10563,15 @@
 </file>
 
 <file path=customXml/item1.xml><?xml version="1.0" encoding="utf-8"?>
+<?mso-contentType ?>
+<FormTemplates xmlns="http://schemas.microsoft.com/sharepoint/v3/contenttype/forms">
+  <Display>DocumentLibraryForm</Display>
+  <Edit>AssetEditForm</Edit>
+  <New>DocumentLibraryForm</New>
+</FormTemplates>
+</file>
+
+<file path=customXml/item2.xml><?xml version="1.0" encoding="utf-8"?>
 <p:properties xmlns:p="http://schemas.microsoft.com/office/2006/metadata/properties" xmlns:xsi="http://www.w3.org/2001/XMLSchema-instance" xmlns:pc="http://schemas.microsoft.com/office/infopath/2007/PartnerControls">
   <documentManagement>
     <APDescription xmlns="4873beb7-5857-4685-be1f-d57550cc96cc" xsi:nil="true"/>
@@ -10658,15 +10695,6 @@
     <UANotes xmlns="4873beb7-5857-4685-be1f-d57550cc96cc" xsi:nil="true"/>
   </documentManagement>
 </p:properties>
-</file>
-
-<file path=customXml/item2.xml><?xml version="1.0" encoding="utf-8"?>
-<?mso-contentType ?>
-<FormTemplates xmlns="http://schemas.microsoft.com/sharepoint/v3/contenttype/forms">
-  <Display>DocumentLibraryForm</Display>
-  <Edit>AssetEditForm</Edit>
-  <New>DocumentLibraryForm</New>
-</FormTemplates>
 </file>
 
 <file path=customXml/item3.xml><?xml version="1.0" encoding="utf-8"?>
@@ -11710,6 +11738,14 @@
 </file>
 
 <file path=customXml/itemProps1.xml><?xml version="1.0" encoding="utf-8"?>
+<ds:datastoreItem xmlns:ds="http://schemas.openxmlformats.org/officeDocument/2006/customXml" ds:itemID="{561E720F-F05D-4536-9C34-0CFCED65D3B7}">
+  <ds:schemaRefs>
+    <ds:schemaRef ds:uri="http://schemas.microsoft.com/sharepoint/v3/contenttype/forms"/>
+  </ds:schemaRefs>
+</ds:datastoreItem>
+</file>
+
+<file path=customXml/itemProps2.xml><?xml version="1.0" encoding="utf-8"?>
 <ds:datastoreItem xmlns:ds="http://schemas.openxmlformats.org/officeDocument/2006/customXml" ds:itemID="{8CDDBB83-77C1-4099-A0AA-289882E745E2}">
   <ds:schemaRefs>
     <ds:schemaRef ds:uri="4873beb7-5857-4685-be1f-d57550cc96cc"/>
@@ -11721,14 +11757,6 @@
     <ds:schemaRef ds:uri="http://schemas.openxmlformats.org/package/2006/metadata/core-properties"/>
     <ds:schemaRef ds:uri="http://purl.org/dc/dcmitype/"/>
     <ds:schemaRef ds:uri="http://purl.org/dc/elements/1.1/"/>
-  </ds:schemaRefs>
-</ds:datastoreItem>
-</file>
-
-<file path=customXml/itemProps2.xml><?xml version="1.0" encoding="utf-8"?>
-<ds:datastoreItem xmlns:ds="http://schemas.openxmlformats.org/officeDocument/2006/customXml" ds:itemID="{561E720F-F05D-4536-9C34-0CFCED65D3B7}">
-  <ds:schemaRefs>
-    <ds:schemaRef ds:uri="http://schemas.microsoft.com/sharepoint/v3/contenttype/forms"/>
   </ds:schemaRefs>
 </ds:datastoreItem>
 </file>
